--- a/folien/week4.pptx
+++ b/folien/week4.pptx
@@ -5,18 +5,19 @@
     <p:sldMasterId id="2147483664" r:id="rId1"/>
   </p:sldMasterIdLst>
   <p:notesMasterIdLst>
-    <p:notesMasterId r:id="rId11"/>
+    <p:notesMasterId r:id="rId12"/>
   </p:notesMasterIdLst>
   <p:sldIdLst>
     <p:sldId id="257" r:id="rId2"/>
     <p:sldId id="292" r:id="rId3"/>
     <p:sldId id="293" r:id="rId4"/>
-    <p:sldId id="287" r:id="rId5"/>
-    <p:sldId id="296" r:id="rId6"/>
-    <p:sldId id="294" r:id="rId7"/>
-    <p:sldId id="295" r:id="rId8"/>
-    <p:sldId id="291" r:id="rId9"/>
-    <p:sldId id="270" r:id="rId10"/>
+    <p:sldId id="299" r:id="rId5"/>
+    <p:sldId id="300" r:id="rId6"/>
+    <p:sldId id="301" r:id="rId7"/>
+    <p:sldId id="294" r:id="rId8"/>
+    <p:sldId id="295" r:id="rId9"/>
+    <p:sldId id="291" r:id="rId10"/>
+    <p:sldId id="270" r:id="rId11"/>
   </p:sldIdLst>
   <p:sldSz cx="9144000" cy="5143500" type="screen16x9"/>
   <p:notesSz cx="6858000" cy="9144000"/>
@@ -123,8 +124,9 @@
             <p14:sldId id="257"/>
             <p14:sldId id="292"/>
             <p14:sldId id="293"/>
-            <p14:sldId id="287"/>
-            <p14:sldId id="296"/>
+            <p14:sldId id="299"/>
+            <p14:sldId id="300"/>
+            <p14:sldId id="301"/>
             <p14:sldId id="294"/>
             <p14:sldId id="295"/>
             <p14:sldId id="291"/>
@@ -233,7 +235,7 @@
           <a:p>
             <a:fld id="{21C000D9-2858-4F4C-AF5C-64F79A7C2410}" type="datetimeFigureOut">
               <a:rPr lang="en-US" smtClean="0"/>
-              <a:t>11/3/2021</a:t>
+              <a:t>4/25/2022</a:t>
             </a:fld>
             <a:endParaRPr lang="en-US"/>
           </a:p>
@@ -391,7 +393,7 @@
           <a:p>
             <a:fld id="{C347FAF7-5C4E-4642-B377-C3A2CDCC9DA1}" type="slidenum">
               <a:rPr lang="en-US" smtClean="0"/>
-              <a:t>‹Nr.›</a:t>
+              <a:t>‹#›</a:t>
             </a:fld>
             <a:endParaRPr lang="en-US"/>
           </a:p>
@@ -544,52 +546,6 @@
           <a:bodyPr/>
           <a:lstStyle/>
           <a:p>
-            <a:r>
-              <a:rPr lang="de-DE" dirty="0"/>
-              <a:t>Bildung </a:t>
-            </a:r>
-            <a:r>
-              <a:rPr lang="de-DE" dirty="0" err="1"/>
-              <a:t>ermoeglichen</a:t>
-            </a:r>
-            <a:endParaRPr lang="de-DE" dirty="0"/>
-          </a:p>
-          <a:p>
-            <a:endParaRPr lang="de-DE" dirty="0" smtClean="0"/>
-          </a:p>
-          <a:p>
-            <a:r>
-              <a:rPr lang="de-DE" dirty="0" smtClean="0"/>
-              <a:t>Menschen haben zu jeder Zeit anders gedacht,</a:t>
-            </a:r>
-          </a:p>
-          <a:p>
-            <a:r>
-              <a:rPr lang="de-DE" dirty="0" smtClean="0"/>
-              <a:t>gemeinsame Antworten als Sinnentwürfe </a:t>
-            </a:r>
-          </a:p>
-          <a:p>
-            <a:r>
-              <a:rPr lang="de-DE" dirty="0" smtClean="0"/>
-              <a:t>ohne Kultur überlebensfähig? ethischen Fragen</a:t>
-            </a:r>
-          </a:p>
-          <a:p>
-            <a:r>
-              <a:rPr lang="de-DE" dirty="0" smtClean="0"/>
-              <a:t>Anachronistisch / </a:t>
-            </a:r>
-            <a:r>
-              <a:rPr lang="de-DE" dirty="0" err="1" smtClean="0"/>
-              <a:t>kairotisch</a:t>
-            </a:r>
-            <a:endParaRPr lang="de-DE" dirty="0" smtClean="0"/>
-          </a:p>
-          <a:p>
-            <a:endParaRPr lang="de-DE" dirty="0" smtClean="0"/>
-          </a:p>
-          <a:p>
             <a:endParaRPr lang="de-DE" dirty="0"/>
           </a:p>
         </p:txBody>
@@ -620,7 +576,7 @@
     </p:spTree>
     <p:extLst>
       <p:ext uri="{BB962C8B-B14F-4D97-AF65-F5344CB8AC3E}">
-        <p14:creationId xmlns:p14="http://schemas.microsoft.com/office/powerpoint/2010/main" val="1585885546"/>
+        <p14:creationId xmlns:p14="http://schemas.microsoft.com/office/powerpoint/2010/main" val="2361001015"/>
       </p:ext>
     </p:extLst>
   </p:cSld>
@@ -695,7 +651,175 @@
           <a:p>
             <a:fld id="{C347FAF7-5C4E-4642-B377-C3A2CDCC9DA1}" type="slidenum">
               <a:rPr lang="en-US" smtClean="0"/>
-              <a:t>9</a:t>
+              <a:t>5</a:t>
+            </a:fld>
+            <a:endParaRPr lang="en-US"/>
+          </a:p>
+        </p:txBody>
+      </p:sp>
+    </p:spTree>
+    <p:extLst>
+      <p:ext uri="{BB962C8B-B14F-4D97-AF65-F5344CB8AC3E}">
+        <p14:creationId xmlns:p14="http://schemas.microsoft.com/office/powerpoint/2010/main" val="2204890354"/>
+      </p:ext>
+    </p:extLst>
+  </p:cSld>
+  <p:clrMapOvr>
+    <a:masterClrMapping/>
+  </p:clrMapOvr>
+</p:notes>
+</file>
+
+<file path=ppt/notesSlides/notesSlide3.xml><?xml version="1.0" encoding="utf-8"?>
+<p:notes xmlns:a="http://schemas.openxmlformats.org/drawingml/2006/main" xmlns:r="http://schemas.openxmlformats.org/officeDocument/2006/relationships" xmlns:p="http://schemas.openxmlformats.org/presentationml/2006/main">
+  <p:cSld>
+    <p:spTree>
+      <p:nvGrpSpPr>
+        <p:cNvPr id="1" name=""/>
+        <p:cNvGrpSpPr/>
+        <p:nvPr/>
+      </p:nvGrpSpPr>
+      <p:grpSpPr>
+        <a:xfrm>
+          <a:off x="0" y="0"/>
+          <a:ext cx="0" cy="0"/>
+          <a:chOff x="0" y="0"/>
+          <a:chExt cx="0" cy="0"/>
+        </a:xfrm>
+      </p:grpSpPr>
+      <p:sp>
+        <p:nvSpPr>
+          <p:cNvPr id="2" name="Slide Image Placeholder 1"/>
+          <p:cNvSpPr>
+            <a:spLocks noGrp="1" noRot="1" noChangeAspect="1"/>
+          </p:cNvSpPr>
+          <p:nvPr>
+            <p:ph type="sldImg"/>
+          </p:nvPr>
+        </p:nvSpPr>
+        <p:spPr/>
+      </p:sp>
+      <p:sp>
+        <p:nvSpPr>
+          <p:cNvPr id="3" name="Notes Placeholder 2"/>
+          <p:cNvSpPr>
+            <a:spLocks noGrp="1"/>
+          </p:cNvSpPr>
+          <p:nvPr>
+            <p:ph type="body" idx="1"/>
+          </p:nvPr>
+        </p:nvSpPr>
+        <p:spPr/>
+        <p:txBody>
+          <a:bodyPr/>
+          <a:lstStyle/>
+          <a:p>
+            <a:endParaRPr lang="de-DE" dirty="0"/>
+          </a:p>
+        </p:txBody>
+      </p:sp>
+      <p:sp>
+        <p:nvSpPr>
+          <p:cNvPr id="4" name="Slide Number Placeholder 3"/>
+          <p:cNvSpPr>
+            <a:spLocks noGrp="1"/>
+          </p:cNvSpPr>
+          <p:nvPr>
+            <p:ph type="sldNum" sz="quarter" idx="5"/>
+          </p:nvPr>
+        </p:nvSpPr>
+        <p:spPr/>
+        <p:txBody>
+          <a:bodyPr/>
+          <a:lstStyle/>
+          <a:p>
+            <a:fld id="{C347FAF7-5C4E-4642-B377-C3A2CDCC9DA1}" type="slidenum">
+              <a:rPr lang="en-US" smtClean="0"/>
+              <a:t>6</a:t>
+            </a:fld>
+            <a:endParaRPr lang="en-US"/>
+          </a:p>
+        </p:txBody>
+      </p:sp>
+    </p:spTree>
+    <p:extLst>
+      <p:ext uri="{BB962C8B-B14F-4D97-AF65-F5344CB8AC3E}">
+        <p14:creationId xmlns:p14="http://schemas.microsoft.com/office/powerpoint/2010/main" val="3623100424"/>
+      </p:ext>
+    </p:extLst>
+  </p:cSld>
+  <p:clrMapOvr>
+    <a:masterClrMapping/>
+  </p:clrMapOvr>
+</p:notes>
+</file>
+
+<file path=ppt/notesSlides/notesSlide4.xml><?xml version="1.0" encoding="utf-8"?>
+<p:notes xmlns:a="http://schemas.openxmlformats.org/drawingml/2006/main" xmlns:r="http://schemas.openxmlformats.org/officeDocument/2006/relationships" xmlns:p="http://schemas.openxmlformats.org/presentationml/2006/main">
+  <p:cSld>
+    <p:spTree>
+      <p:nvGrpSpPr>
+        <p:cNvPr id="1" name=""/>
+        <p:cNvGrpSpPr/>
+        <p:nvPr/>
+      </p:nvGrpSpPr>
+      <p:grpSpPr>
+        <a:xfrm>
+          <a:off x="0" y="0"/>
+          <a:ext cx="0" cy="0"/>
+          <a:chOff x="0" y="0"/>
+          <a:chExt cx="0" cy="0"/>
+        </a:xfrm>
+      </p:grpSpPr>
+      <p:sp>
+        <p:nvSpPr>
+          <p:cNvPr id="2" name="Slide Image Placeholder 1"/>
+          <p:cNvSpPr>
+            <a:spLocks noGrp="1" noRot="1" noChangeAspect="1"/>
+          </p:cNvSpPr>
+          <p:nvPr>
+            <p:ph type="sldImg"/>
+          </p:nvPr>
+        </p:nvSpPr>
+        <p:spPr/>
+      </p:sp>
+      <p:sp>
+        <p:nvSpPr>
+          <p:cNvPr id="3" name="Notes Placeholder 2"/>
+          <p:cNvSpPr>
+            <a:spLocks noGrp="1"/>
+          </p:cNvSpPr>
+          <p:nvPr>
+            <p:ph type="body" idx="1"/>
+          </p:nvPr>
+        </p:nvSpPr>
+        <p:spPr/>
+        <p:txBody>
+          <a:bodyPr/>
+          <a:lstStyle/>
+          <a:p>
+            <a:endParaRPr lang="de-DE" dirty="0"/>
+          </a:p>
+        </p:txBody>
+      </p:sp>
+      <p:sp>
+        <p:nvSpPr>
+          <p:cNvPr id="4" name="Slide Number Placeholder 3"/>
+          <p:cNvSpPr>
+            <a:spLocks noGrp="1"/>
+          </p:cNvSpPr>
+          <p:nvPr>
+            <p:ph type="sldNum" sz="quarter" idx="5"/>
+          </p:nvPr>
+        </p:nvSpPr>
+        <p:spPr/>
+        <p:txBody>
+          <a:bodyPr/>
+          <a:lstStyle/>
+          <a:p>
+            <a:fld id="{C347FAF7-5C4E-4642-B377-C3A2CDCC9DA1}" type="slidenum">
+              <a:rPr lang="en-US" smtClean="0"/>
+              <a:t>10</a:t>
             </a:fld>
             <a:endParaRPr lang="en-US"/>
           </a:p>
@@ -966,7 +1090,7 @@
             <a:fld id="{63CECEBB-547B-4598-95D8-3FB4D608B5D5}" type="slidenum">
               <a:rPr lang="de-DE" smtClean="0"/>
               <a:pPr/>
-              <a:t>‹Nr.›</a:t>
+              <a:t>‹#›</a:t>
             </a:fld>
             <a:endParaRPr lang="de-DE" dirty="0"/>
           </a:p>
@@ -1234,7 +1358,7 @@
             <a:fld id="{63CECEBB-547B-4598-95D8-3FB4D608B5D5}" type="slidenum">
               <a:rPr lang="de-DE" smtClean="0"/>
               <a:pPr/>
-              <a:t>‹Nr.›</a:t>
+              <a:t>‹#›</a:t>
             </a:fld>
             <a:endParaRPr lang="de-DE" dirty="0"/>
           </a:p>
@@ -1492,7 +1616,7 @@
             <a:fld id="{63CECEBB-547B-4598-95D8-3FB4D608B5D5}" type="slidenum">
               <a:rPr lang="de-DE" smtClean="0"/>
               <a:pPr/>
-              <a:t>‹Nr.›</a:t>
+              <a:t>‹#›</a:t>
             </a:fld>
             <a:endParaRPr lang="de-DE" dirty="0"/>
           </a:p>
@@ -1751,7 +1875,7 @@
             <a:fld id="{63CECEBB-547B-4598-95D8-3FB4D608B5D5}" type="slidenum">
               <a:rPr lang="de-DE" smtClean="0"/>
               <a:pPr/>
-              <a:t>‹Nr.›</a:t>
+              <a:t>‹#›</a:t>
             </a:fld>
             <a:endParaRPr lang="de-DE" dirty="0"/>
           </a:p>
@@ -2007,7 +2131,7 @@
             <a:fld id="{63CECEBB-547B-4598-95D8-3FB4D608B5D5}" type="slidenum">
               <a:rPr lang="de-DE" smtClean="0"/>
               <a:pPr/>
-              <a:t>‹Nr.›</a:t>
+              <a:t>‹#›</a:t>
             </a:fld>
             <a:endParaRPr lang="de-DE" dirty="0"/>
           </a:p>
@@ -2189,7 +2313,7 @@
             <a:fld id="{63CECEBB-547B-4598-95D8-3FB4D608B5D5}" type="slidenum">
               <a:rPr lang="de-DE" smtClean="0"/>
               <a:pPr/>
-              <a:t>‹Nr.›</a:t>
+              <a:t>‹#›</a:t>
             </a:fld>
             <a:endParaRPr lang="de-DE" dirty="0"/>
           </a:p>
@@ -3379,13 +3503,165 @@
   <p:clrMapOvr>
     <a:masterClrMapping/>
   </p:clrMapOvr>
-  <p:timing>
-    <p:tnLst>
-      <p:par>
-        <p:cTn id="1" dur="indefinite" restart="never" nodeType="tmRoot"/>
-      </p:par>
-    </p:tnLst>
-  </p:timing>
+</p:sld>
+</file>
+
+<file path=ppt/slides/slide10.xml><?xml version="1.0" encoding="utf-8"?>
+<p:sld xmlns:a="http://schemas.openxmlformats.org/drawingml/2006/main" xmlns:r="http://schemas.openxmlformats.org/officeDocument/2006/relationships" xmlns:p="http://schemas.openxmlformats.org/presentationml/2006/main">
+  <p:cSld>
+    <p:spTree>
+      <p:nvGrpSpPr>
+        <p:cNvPr id="1" name=""/>
+        <p:cNvGrpSpPr/>
+        <p:nvPr/>
+      </p:nvGrpSpPr>
+      <p:grpSpPr>
+        <a:xfrm>
+          <a:off x="0" y="0"/>
+          <a:ext cx="0" cy="0"/>
+          <a:chOff x="0" y="0"/>
+          <a:chExt cx="0" cy="0"/>
+        </a:xfrm>
+      </p:grpSpPr>
+      <p:sp>
+        <p:nvSpPr>
+          <p:cNvPr id="2" name="Title 1">
+            <a:extLst>
+              <a:ext uri="{FF2B5EF4-FFF2-40B4-BE49-F238E27FC236}">
+                <a16:creationId xmlns:a16="http://schemas.microsoft.com/office/drawing/2014/main" id="{0DC37077-DE75-4E1A-9675-9E8C39ED87C0}"/>
+              </a:ext>
+            </a:extLst>
+          </p:cNvPr>
+          <p:cNvSpPr>
+            <a:spLocks noGrp="1"/>
+          </p:cNvSpPr>
+          <p:nvPr>
+            <p:ph type="title"/>
+          </p:nvPr>
+        </p:nvSpPr>
+        <p:spPr/>
+        <p:txBody>
+          <a:bodyPr/>
+          <a:lstStyle/>
+          <a:p>
+            <a:r>
+              <a:rPr lang="de-DE" sz="2800" dirty="0"/>
+              <a:t>Nächste</a:t>
+            </a:r>
+            <a:r>
+              <a:rPr lang="en-US" sz="2800" dirty="0"/>
+              <a:t> </a:t>
+            </a:r>
+            <a:r>
+              <a:rPr lang="en-US" sz="2800" dirty="0" err="1"/>
+              <a:t>Woche</a:t>
+            </a:r>
+            <a:endParaRPr lang="en-US" sz="2800" dirty="0"/>
+          </a:p>
+        </p:txBody>
+      </p:sp>
+      <p:sp>
+        <p:nvSpPr>
+          <p:cNvPr id="3" name="Text Placeholder 2">
+            <a:extLst>
+              <a:ext uri="{FF2B5EF4-FFF2-40B4-BE49-F238E27FC236}">
+                <a16:creationId xmlns:a16="http://schemas.microsoft.com/office/drawing/2014/main" id="{9A8B9131-451A-4C09-ABBC-166016A890C0}"/>
+              </a:ext>
+            </a:extLst>
+          </p:cNvPr>
+          <p:cNvSpPr>
+            <a:spLocks noGrp="1"/>
+          </p:cNvSpPr>
+          <p:nvPr>
+            <p:ph type="body" sz="quarter" idx="10"/>
+          </p:nvPr>
+        </p:nvSpPr>
+        <p:spPr>
+          <a:xfrm>
+            <a:off x="322138" y="1491630"/>
+            <a:ext cx="8642350" cy="3240087"/>
+          </a:xfrm>
+        </p:spPr>
+        <p:txBody>
+          <a:bodyPr/>
+          <a:lstStyle/>
+          <a:p>
+            <a:r>
+              <a:rPr lang="de-DE" sz="1400" dirty="0"/>
+              <a:t>Aufgabe (Nachbereitung)</a:t>
+            </a:r>
+          </a:p>
+          <a:p>
+            <a:pPr lvl="1"/>
+            <a:r>
+              <a:rPr lang="de-DE" sz="1400" dirty="0"/>
+              <a:t>Gestalte ein Mindmap (Max 1 A4) und lade sie als PDF hoch </a:t>
+            </a:r>
+            <a:r>
+              <a:rPr lang="de-DE" sz="1400" dirty="0" err="1"/>
+              <a:t>ueber</a:t>
+            </a:r>
+            <a:r>
+              <a:rPr lang="de-DE" sz="1400" dirty="0"/>
+              <a:t> </a:t>
+            </a:r>
+            <a:r>
+              <a:rPr lang="de-DE" sz="1400" dirty="0" err="1"/>
+              <a:t>Moodle</a:t>
+            </a:r>
+            <a:endParaRPr lang="de-DE" sz="1400" dirty="0"/>
+          </a:p>
+          <a:p>
+            <a:pPr lvl="1"/>
+            <a:r>
+              <a:rPr lang="de-DE" sz="1400" dirty="0"/>
+              <a:t>Dritte Eintrag im Portfolio (</a:t>
+            </a:r>
+            <a:r>
+              <a:rPr lang="de-DE" sz="1400" dirty="0" err="1"/>
+              <a:t>Dörpinghaus</a:t>
+            </a:r>
+            <a:r>
+              <a:rPr lang="de-DE" sz="1400" dirty="0"/>
+              <a:t>, Teil 2)</a:t>
+            </a:r>
+          </a:p>
+          <a:p>
+            <a:endParaRPr lang="de-DE" sz="1400" dirty="0"/>
+          </a:p>
+          <a:p>
+            <a:r>
+              <a:rPr lang="de-DE" sz="1400" dirty="0"/>
+              <a:t>Vorbereitendes Material (für nächste Woche): </a:t>
+            </a:r>
+          </a:p>
+          <a:p>
+            <a:pPr lvl="1"/>
+            <a:r>
+              <a:rPr lang="de-DE" sz="1800" dirty="0"/>
+              <a:t>Offene Sitzung (kein Text und kein </a:t>
+            </a:r>
+            <a:r>
+              <a:rPr lang="de-DE" sz="1800" dirty="0" err="1"/>
+              <a:t>Praesenz</a:t>
+            </a:r>
+            <a:r>
+              <a:rPr lang="de-DE" sz="1800" dirty="0"/>
+              <a:t>(!))</a:t>
+            </a:r>
+          </a:p>
+        </p:txBody>
+      </p:sp>
+    </p:spTree>
+    <p:extLst>
+      <p:ext uri="{BB962C8B-B14F-4D97-AF65-F5344CB8AC3E}">
+        <p14:creationId xmlns:p14="http://schemas.microsoft.com/office/powerpoint/2010/main" val="2015919101"/>
+      </p:ext>
+    </p:extLst>
+  </p:cSld>
+  <p:clrMapOvr>
+    <a:masterClrMapping/>
+  </p:clrMapOvr>
 </p:sld>
 </file>
 
@@ -3568,13 +3844,6 @@
   <p:clrMapOvr>
     <a:masterClrMapping/>
   </p:clrMapOvr>
-  <p:timing>
-    <p:tnLst>
-      <p:par>
-        <p:cTn id="1" dur="indefinite" restart="never" nodeType="tmRoot"/>
-      </p:par>
-    </p:tnLst>
-  </p:timing>
 </p:sld>
 </file>
 
@@ -3742,13 +4011,6 @@
   <p:clrMapOvr>
     <a:masterClrMapping/>
   </p:clrMapOvr>
-  <p:timing>
-    <p:tnLst>
-      <p:par>
-        <p:cTn id="1" dur="indefinite" restart="never" nodeType="tmRoot"/>
-      </p:par>
-    </p:tnLst>
-  </p:timing>
 </p:sld>
 </file>
 
@@ -3774,7 +4036,7 @@
           <p:cNvPr id="2" name="Title 1">
             <a:extLst>
               <a:ext uri="{FF2B5EF4-FFF2-40B4-BE49-F238E27FC236}">
-                <a16:creationId xmlns:a16="http://schemas.microsoft.com/office/drawing/2014/main" id="{2C0D9D7C-C11E-48F3-9F14-CA33C785E3F8}"/>
+                <a16:creationId xmlns:a16="http://schemas.microsoft.com/office/drawing/2014/main" id="{726CFC8C-1318-4C6A-8121-B0E490967570}"/>
               </a:ext>
             </a:extLst>
           </p:cNvPr>
@@ -3792,17 +4054,22 @@
           <a:p>
             <a:r>
               <a:rPr lang="de-DE" dirty="0"/>
-              <a:t>Was kann man unter Bildung verstehen?</a:t>
-            </a:r>
-          </a:p>
-        </p:txBody>
-      </p:sp>
-      <p:sp>
-        <p:nvSpPr>
-          <p:cNvPr id="4" name="Content Placeholder 3">
+              <a:t>4 </a:t>
+            </a:r>
+            <a:r>
+              <a:rPr lang="de-DE" dirty="0" err="1"/>
+              <a:t>Sichfremdwerden</a:t>
+            </a:r>
+            <a:endParaRPr lang="de-DE" dirty="0"/>
+          </a:p>
+        </p:txBody>
+      </p:sp>
+      <p:sp>
+        <p:nvSpPr>
+          <p:cNvPr id="3" name="Text Placeholder 2">
             <a:extLst>
               <a:ext uri="{FF2B5EF4-FFF2-40B4-BE49-F238E27FC236}">
-                <a16:creationId xmlns:a16="http://schemas.microsoft.com/office/drawing/2014/main" id="{9DE99F6F-5E4D-444B-91F0-7A4386CF3951}"/>
+                <a16:creationId xmlns:a16="http://schemas.microsoft.com/office/drawing/2014/main" id="{1D15CE9D-53EF-4ED0-817A-A92398460154}"/>
               </a:ext>
             </a:extLst>
           </p:cNvPr>
@@ -3810,7 +4077,7 @@
             <a:spLocks noGrp="1"/>
           </p:cNvSpPr>
           <p:nvPr>
-            <p:ph sz="half" idx="12"/>
+            <p:ph type="body" sz="quarter" idx="10"/>
           </p:nvPr>
         </p:nvSpPr>
         <p:spPr/>
@@ -3819,191 +4086,48 @@
           <a:lstStyle/>
           <a:p>
             <a:r>
-              <a:rPr lang="de-DE" sz="1600" dirty="0" smtClean="0"/>
-              <a:t>Zeitgemäßen </a:t>
-            </a:r>
+              <a:rPr lang="de-DE" dirty="0"/>
+              <a:t>Transformation des Selbst (wie das Höhlengleichnis)</a:t>
+            </a:r>
+          </a:p>
+          <a:p>
+            <a:r>
+              <a:rPr lang="de-DE" dirty="0"/>
+              <a:t>Zwischenraum von Eigenem und Fremdem</a:t>
+            </a:r>
+          </a:p>
+          <a:p>
+            <a:r>
+              <a:rPr lang="de-DE" dirty="0"/>
+              <a:t>Humboldt: „Wechselwirkung zwischen Ich und Welt“</a:t>
+            </a:r>
+          </a:p>
+          <a:p>
+            <a:r>
+              <a:rPr lang="de-DE" dirty="0"/>
+              <a:t>ein hypothetisches Leben (Robert Musil, 1880-1942, Schriftsteller) auf schwankendem Untergrund</a:t>
+            </a:r>
+          </a:p>
+          <a:p>
+            <a:pPr lvl="1"/>
             <a:r>
               <a:rPr lang="de-DE" sz="1600" dirty="0"/>
-              <a:t>Bildung</a:t>
-            </a:r>
-          </a:p>
-          <a:p>
-            <a:r>
-              <a:rPr lang="de-DE" sz="1600" dirty="0"/>
-              <a:t>Mensch als Mittel</a:t>
-            </a:r>
-          </a:p>
-          <a:p>
-            <a:r>
-              <a:rPr lang="de-DE" sz="1600" dirty="0"/>
-              <a:t>Verdummung / </a:t>
-            </a:r>
-            <a:r>
-              <a:rPr lang="de-DE" sz="1600" dirty="0" err="1"/>
-              <a:t>Unterfoerderung</a:t>
-            </a:r>
-            <a:endParaRPr lang="de-DE" sz="1600" dirty="0"/>
-          </a:p>
-          <a:p>
-            <a:r>
-              <a:rPr lang="de-DE" sz="1600" dirty="0"/>
-              <a:t>Horkheimer </a:t>
-            </a:r>
-          </a:p>
-          <a:p>
-            <a:r>
-              <a:rPr lang="de-DE" sz="1600" dirty="0"/>
-              <a:t>Humboldt</a:t>
-            </a:r>
-          </a:p>
-          <a:p>
-            <a:r>
-              <a:rPr lang="de-DE" sz="1600" dirty="0"/>
-              <a:t>Bedingungen Kräfte entfalten zu können</a:t>
-            </a:r>
-          </a:p>
-          <a:p>
-            <a:r>
-              <a:rPr lang="de-DE" sz="1600" dirty="0"/>
-              <a:t>fragendes Denken</a:t>
-            </a:r>
-          </a:p>
-          <a:p>
-            <a:r>
-              <a:rPr lang="de-DE" sz="1600" dirty="0"/>
-              <a:t>Selbstregierung</a:t>
-            </a:r>
-          </a:p>
-          <a:p>
-            <a:endParaRPr lang="de-DE" sz="1600" dirty="0"/>
-          </a:p>
-        </p:txBody>
-      </p:sp>
-      <p:sp>
-        <p:nvSpPr>
-          <p:cNvPr id="3" name="Text Placeholder 2">
-            <a:extLst>
-              <a:ext uri="{FF2B5EF4-FFF2-40B4-BE49-F238E27FC236}">
-                <a16:creationId xmlns:a16="http://schemas.microsoft.com/office/drawing/2014/main" id="{E84F48F4-7C69-4A30-A062-E7F7AC5B3CD2}"/>
-              </a:ext>
-            </a:extLst>
-          </p:cNvPr>
-          <p:cNvSpPr>
-            <a:spLocks noGrp="1"/>
-          </p:cNvSpPr>
-          <p:nvPr>
-            <p:ph sz="half" idx="11"/>
-          </p:nvPr>
-        </p:nvSpPr>
-        <p:spPr/>
-        <p:txBody>
-          <a:bodyPr/>
-          <a:lstStyle/>
-          <a:p>
-            <a:r>
-              <a:rPr lang="de-DE" sz="1600" dirty="0" smtClean="0"/>
-              <a:t>Bildungsschmerz </a:t>
-            </a:r>
-            <a:r>
-              <a:rPr lang="de-DE" sz="1600" dirty="0"/>
-              <a:t>(</a:t>
-            </a:r>
-            <a:r>
-              <a:rPr lang="de-DE" sz="1600" dirty="0" err="1"/>
-              <a:t>Platon‘s</a:t>
-            </a:r>
-            <a:r>
-              <a:rPr lang="de-DE" sz="1600" dirty="0"/>
-              <a:t> </a:t>
-            </a:r>
-            <a:r>
-              <a:rPr lang="de-DE" sz="1600" dirty="0" err="1"/>
-              <a:t>Hoehlengleichnis</a:t>
-            </a:r>
-            <a:r>
-              <a:rPr lang="de-DE" sz="1600" dirty="0"/>
-              <a:t>)</a:t>
-            </a:r>
-            <a:endParaRPr lang="de-DE" sz="1600" dirty="0"/>
-          </a:p>
-          <a:p>
-            <a:r>
-              <a:rPr lang="de-DE" sz="1600" dirty="0"/>
-              <a:t>Sich fremd </a:t>
-            </a:r>
-            <a:r>
-              <a:rPr lang="de-DE" sz="1600" dirty="0" smtClean="0"/>
-              <a:t>werden</a:t>
-            </a:r>
-            <a:r>
-              <a:rPr lang="de-DE" sz="1600" dirty="0"/>
-              <a:t> </a:t>
-            </a:r>
-            <a:r>
-              <a:rPr lang="de-DE" sz="1600" dirty="0" smtClean="0"/>
-              <a:t>(Robert Musil)</a:t>
-            </a:r>
-            <a:endParaRPr lang="de-DE" sz="1600" dirty="0" smtClean="0"/>
-          </a:p>
-          <a:p>
-            <a:r>
-              <a:rPr lang="de-DE" sz="1600" dirty="0" smtClean="0"/>
-              <a:t>Gegenstand von Bildung</a:t>
-            </a:r>
-            <a:r>
-              <a:rPr lang="de-DE" sz="1600" dirty="0" smtClean="0"/>
-              <a:t> (Humboldt)</a:t>
-            </a:r>
-            <a:endParaRPr lang="de-DE" sz="1600" dirty="0"/>
-          </a:p>
-          <a:p>
-            <a:r>
-              <a:rPr lang="de-DE" sz="1600" dirty="0" smtClean="0"/>
-              <a:t>Verzögerung / Warten können (Adorno)</a:t>
-            </a:r>
-            <a:endParaRPr lang="de-DE" sz="1600" dirty="0"/>
-          </a:p>
-          <a:p>
-            <a:r>
-              <a:rPr lang="de-DE" sz="1600" dirty="0" smtClean="0"/>
-              <a:t>kulturelles Gedächtnis</a:t>
-            </a:r>
-          </a:p>
-          <a:p>
-            <a:r>
-              <a:rPr lang="de-DE" sz="1600" dirty="0"/>
-              <a:t>Kulturgüter (Ernst Cassirer)</a:t>
-            </a:r>
-            <a:endParaRPr lang="de-DE" sz="1600" dirty="0"/>
-          </a:p>
-          <a:p>
-            <a:endParaRPr lang="de-DE" sz="1600" dirty="0"/>
-          </a:p>
-          <a:p>
-            <a:endParaRPr lang="de-DE" sz="1600" dirty="0"/>
-          </a:p>
-          <a:p>
-            <a:endParaRPr lang="de-DE" sz="1600" dirty="0"/>
+              <a:t>Gegenwart sei "nichts als eine Hypothese, über die man noch nicht hinausgekommen ist"</a:t>
+            </a:r>
+            <a:endParaRPr lang="de-DE" dirty="0"/>
           </a:p>
         </p:txBody>
       </p:sp>
     </p:spTree>
     <p:extLst>
       <p:ext uri="{BB962C8B-B14F-4D97-AF65-F5344CB8AC3E}">
-        <p14:creationId xmlns:p14="http://schemas.microsoft.com/office/powerpoint/2010/main" val="3769056112"/>
+        <p14:creationId xmlns:p14="http://schemas.microsoft.com/office/powerpoint/2010/main" val="3181984991"/>
       </p:ext>
     </p:extLst>
   </p:cSld>
   <p:clrMapOvr>
     <a:masterClrMapping/>
   </p:clrMapOvr>
-  <p:timing>
-    <p:tnLst>
-      <p:par>
-        <p:cTn id="1" dur="indefinite" restart="never" nodeType="tmRoot"/>
-      </p:par>
-    </p:tnLst>
-  </p:timing>
 </p:sld>
 </file>
 
@@ -4026,7 +4150,13 @@
       </p:grpSpPr>
       <p:sp>
         <p:nvSpPr>
-          <p:cNvPr id="2" name="Titel 1"/>
+          <p:cNvPr id="2" name="Title 1">
+            <a:extLst>
+              <a:ext uri="{FF2B5EF4-FFF2-40B4-BE49-F238E27FC236}">
+                <a16:creationId xmlns:a16="http://schemas.microsoft.com/office/drawing/2014/main" id="{726CFC8C-1318-4C6A-8121-B0E490967570}"/>
+              </a:ext>
+            </a:extLst>
+          </p:cNvPr>
           <p:cNvSpPr>
             <a:spLocks noGrp="1"/>
           </p:cNvSpPr>
@@ -4039,18 +4169,35 @@
           <a:bodyPr/>
           <a:lstStyle/>
           <a:p>
-            <a:endParaRPr lang="en-US"/>
-          </a:p>
-        </p:txBody>
-      </p:sp>
-      <p:sp>
-        <p:nvSpPr>
-          <p:cNvPr id="3" name="Inhaltsplatzhalter 2"/>
-          <p:cNvSpPr>
-            <a:spLocks noGrp="1"/>
-          </p:cNvSpPr>
-          <p:nvPr>
-            <p:ph sz="half" idx="12"/>
+            <a:r>
+              <a:rPr lang="de-DE" dirty="0"/>
+              <a:t>4 </a:t>
+            </a:r>
+            <a:r>
+              <a:rPr lang="de-DE" dirty="0" err="1"/>
+              <a:t>Wartenkönnen</a:t>
+            </a:r>
+            <a:r>
+              <a:rPr lang="de-DE" dirty="0"/>
+              <a:t> und Verzögerung</a:t>
+            </a:r>
+          </a:p>
+        </p:txBody>
+      </p:sp>
+      <p:sp>
+        <p:nvSpPr>
+          <p:cNvPr id="3" name="Text Placeholder 2">
+            <a:extLst>
+              <a:ext uri="{FF2B5EF4-FFF2-40B4-BE49-F238E27FC236}">
+                <a16:creationId xmlns:a16="http://schemas.microsoft.com/office/drawing/2014/main" id="{1D15CE9D-53EF-4ED0-817A-A92398460154}"/>
+              </a:ext>
+            </a:extLst>
+          </p:cNvPr>
+          <p:cNvSpPr>
+            <a:spLocks noGrp="1"/>
+          </p:cNvSpPr>
+          <p:nvPr>
+            <p:ph type="body" sz="quarter" idx="10"/>
           </p:nvPr>
         </p:nvSpPr>
         <p:spPr/>
@@ -4060,62 +4207,209 @@
           <a:p>
             <a:r>
               <a:rPr lang="de-DE" dirty="0"/>
-              <a:t>Anachronistisch </a:t>
-            </a:r>
-            <a:endParaRPr lang="de-DE" dirty="0" smtClean="0"/>
-          </a:p>
-          <a:p>
-            <a:r>
-              <a:rPr lang="de-DE" dirty="0" err="1" smtClean="0"/>
-              <a:t>kairotisch</a:t>
-            </a:r>
-            <a:endParaRPr lang="de-DE" dirty="0" smtClean="0"/>
-          </a:p>
-          <a:p>
-            <a:endParaRPr lang="en-US" dirty="0"/>
-          </a:p>
-        </p:txBody>
-      </p:sp>
-      <p:sp>
-        <p:nvSpPr>
-          <p:cNvPr id="4" name="Inhaltsplatzhalter 3"/>
-          <p:cNvSpPr>
-            <a:spLocks noGrp="1"/>
-          </p:cNvSpPr>
-          <p:nvPr>
-            <p:ph sz="half" idx="11"/>
-          </p:nvPr>
-        </p:nvSpPr>
-        <p:spPr/>
-        <p:txBody>
-          <a:bodyPr/>
-          <a:lstStyle/>
-          <a:p>
-            <a:endParaRPr lang="en-US"/>
+              <a:t>nicht reagieren, sondern antworten</a:t>
+            </a:r>
+          </a:p>
+          <a:p>
+            <a:r>
+              <a:rPr lang="de-DE" dirty="0"/>
+              <a:t>hin zur Frage nach Sinn und Bedeutung</a:t>
+            </a:r>
+          </a:p>
+          <a:p>
+            <a:r>
+              <a:rPr lang="de-DE" dirty="0"/>
+              <a:t>Warten, </a:t>
+            </a:r>
+            <a:r>
+              <a:rPr lang="de-DE" dirty="0" err="1"/>
+              <a:t>videre</a:t>
+            </a:r>
+            <a:r>
+              <a:rPr lang="de-DE" dirty="0"/>
+              <a:t>, schauen (Adorno)</a:t>
+            </a:r>
+          </a:p>
+          <a:p>
+            <a:r>
+              <a:rPr lang="de-DE" dirty="0"/>
+              <a:t>Verarbeitung lasse dem Gegenstand keinerlei Zeit (Horkheimer)</a:t>
+            </a:r>
+          </a:p>
+          <a:p>
+            <a:r>
+              <a:rPr lang="de-DE" dirty="0"/>
+              <a:t>Zeitdispositiv / Trivialformel / Zeitdisziplinaranstalten</a:t>
+            </a:r>
+          </a:p>
+          <a:p>
+            <a:endParaRPr lang="de-DE" dirty="0"/>
           </a:p>
         </p:txBody>
       </p:sp>
     </p:spTree>
     <p:extLst>
       <p:ext uri="{BB962C8B-B14F-4D97-AF65-F5344CB8AC3E}">
-        <p14:creationId xmlns:p14="http://schemas.microsoft.com/office/powerpoint/2010/main" val="1413656478"/>
+        <p14:creationId xmlns:p14="http://schemas.microsoft.com/office/powerpoint/2010/main" val="1860022223"/>
       </p:ext>
     </p:extLst>
   </p:cSld>
   <p:clrMapOvr>
     <a:masterClrMapping/>
   </p:clrMapOvr>
-  <p:timing>
-    <p:tnLst>
-      <p:par>
-        <p:cTn id="1" dur="indefinite" restart="never" nodeType="tmRoot"/>
-      </p:par>
-    </p:tnLst>
-  </p:timing>
 </p:sld>
 </file>
 
 <file path=ppt/slides/slide6.xml><?xml version="1.0" encoding="utf-8"?>
+<p:sld xmlns:a="http://schemas.openxmlformats.org/drawingml/2006/main" xmlns:r="http://schemas.openxmlformats.org/officeDocument/2006/relationships" xmlns:p="http://schemas.openxmlformats.org/presentationml/2006/main">
+  <p:cSld>
+    <p:spTree>
+      <p:nvGrpSpPr>
+        <p:cNvPr id="1" name=""/>
+        <p:cNvGrpSpPr/>
+        <p:nvPr/>
+      </p:nvGrpSpPr>
+      <p:grpSpPr>
+        <a:xfrm>
+          <a:off x="0" y="0"/>
+          <a:ext cx="0" cy="0"/>
+          <a:chOff x="0" y="0"/>
+          <a:chExt cx="0" cy="0"/>
+        </a:xfrm>
+      </p:grpSpPr>
+      <p:sp>
+        <p:nvSpPr>
+          <p:cNvPr id="2" name="Title 1">
+            <a:extLst>
+              <a:ext uri="{FF2B5EF4-FFF2-40B4-BE49-F238E27FC236}">
+                <a16:creationId xmlns:a16="http://schemas.microsoft.com/office/drawing/2014/main" id="{726CFC8C-1318-4C6A-8121-B0E490967570}"/>
+              </a:ext>
+            </a:extLst>
+          </p:cNvPr>
+          <p:cNvSpPr>
+            <a:spLocks noGrp="1"/>
+          </p:cNvSpPr>
+          <p:nvPr>
+            <p:ph type="title"/>
+          </p:nvPr>
+        </p:nvSpPr>
+        <p:spPr/>
+        <p:txBody>
+          <a:bodyPr/>
+          <a:lstStyle/>
+          <a:p>
+            <a:r>
+              <a:rPr lang="de-DE" dirty="0"/>
+              <a:t>4 kulturelles Gedächtnis</a:t>
+            </a:r>
+          </a:p>
+        </p:txBody>
+      </p:sp>
+      <p:sp>
+        <p:nvSpPr>
+          <p:cNvPr id="3" name="Text Placeholder 2">
+            <a:extLst>
+              <a:ext uri="{FF2B5EF4-FFF2-40B4-BE49-F238E27FC236}">
+                <a16:creationId xmlns:a16="http://schemas.microsoft.com/office/drawing/2014/main" id="{1D15CE9D-53EF-4ED0-817A-A92398460154}"/>
+              </a:ext>
+            </a:extLst>
+          </p:cNvPr>
+          <p:cNvSpPr>
+            <a:spLocks noGrp="1"/>
+          </p:cNvSpPr>
+          <p:nvPr>
+            <p:ph type="body" sz="quarter" idx="10"/>
+          </p:nvPr>
+        </p:nvSpPr>
+        <p:spPr/>
+        <p:txBody>
+          <a:bodyPr/>
+          <a:lstStyle/>
+          <a:p>
+            <a:r>
+              <a:rPr lang="de-DE" sz="2000" dirty="0"/>
+              <a:t>historische Situation, von der aus Verstehen stattfindet</a:t>
+            </a:r>
+          </a:p>
+          <a:p>
+            <a:r>
+              <a:rPr lang="de-DE" sz="2000" dirty="0"/>
+              <a:t>Kulturgüter</a:t>
+            </a:r>
+          </a:p>
+          <a:p>
+            <a:r>
+              <a:rPr lang="de-DE" sz="2000" dirty="0"/>
+              <a:t>symbolische Formen (Ernst Cassirer), Sinnentwürfe</a:t>
+            </a:r>
+          </a:p>
+          <a:p>
+            <a:r>
+              <a:rPr lang="de-DE" sz="2000" dirty="0"/>
+              <a:t>kulturelles und kommunikatives Gedächtnis )Aleida und Jan Assmann)</a:t>
+            </a:r>
+          </a:p>
+          <a:p>
+            <a:r>
+              <a:rPr lang="de-DE" sz="2000" dirty="0"/>
+              <a:t>Kein Platz für ethischen Fragen im polizeilichen Gefüge </a:t>
+            </a:r>
+          </a:p>
+          <a:p>
+            <a:r>
+              <a:rPr lang="de-DE" sz="2000" dirty="0"/>
+              <a:t>anachronistisch-kritischen Zugriff</a:t>
+            </a:r>
+          </a:p>
+          <a:p>
+            <a:r>
+              <a:rPr lang="de-DE" sz="2000" dirty="0" err="1"/>
+              <a:t>kairotische</a:t>
+            </a:r>
+            <a:r>
+              <a:rPr lang="de-DE" sz="2000" dirty="0"/>
+              <a:t> Ereignisse (</a:t>
+            </a:r>
+            <a:r>
+              <a:rPr lang="de-DE" sz="2000" dirty="0">
+                <a:hlinkClick r:id="rId3"/>
+              </a:rPr>
+              <a:t>wikipedia.org/wiki/Kairos</a:t>
+            </a:r>
+            <a:r>
+              <a:rPr lang="de-DE" sz="2000" dirty="0"/>
+              <a:t>), die gute Gelegenheit</a:t>
+            </a:r>
+          </a:p>
+          <a:p>
+            <a:r>
+              <a:rPr lang="de-DE" sz="2000" dirty="0" err="1"/>
+              <a:t>Widerständigkeit</a:t>
+            </a:r>
+            <a:r>
+              <a:rPr lang="de-DE" sz="2000" dirty="0"/>
+              <a:t> gegen die Verdummung</a:t>
+            </a:r>
+          </a:p>
+          <a:p>
+            <a:endParaRPr lang="de-DE" sz="2000" dirty="0"/>
+          </a:p>
+        </p:txBody>
+      </p:sp>
+    </p:spTree>
+    <p:extLst>
+      <p:ext uri="{BB962C8B-B14F-4D97-AF65-F5344CB8AC3E}">
+        <p14:creationId xmlns:p14="http://schemas.microsoft.com/office/powerpoint/2010/main" val="1868279417"/>
+      </p:ext>
+    </p:extLst>
+  </p:cSld>
+  <p:clrMapOvr>
+    <a:masterClrMapping/>
+  </p:clrMapOvr>
+</p:sld>
+</file>
+
+<file path=ppt/slides/slide7.xml><?xml version="1.0" encoding="utf-8"?>
 <p:sld xmlns:a="http://schemas.openxmlformats.org/drawingml/2006/main" xmlns:r="http://schemas.openxmlformats.org/officeDocument/2006/relationships" xmlns:p="http://schemas.openxmlformats.org/presentationml/2006/main">
   <p:cSld>
     <p:spTree>
@@ -4226,7 +4520,7 @@
 </p:sld>
 </file>
 
-<file path=ppt/slides/slide7.xml><?xml version="1.0" encoding="utf-8"?>
+<file path=ppt/slides/slide8.xml><?xml version="1.0" encoding="utf-8"?>
 <p:sld xmlns:a="http://schemas.openxmlformats.org/drawingml/2006/main" xmlns:r="http://schemas.openxmlformats.org/officeDocument/2006/relationships" xmlns:p="http://schemas.openxmlformats.org/presentationml/2006/main">
   <p:cSld>
     <p:spTree>
@@ -4264,8 +4558,13 @@
             </a:r>
             <a:r>
               <a:rPr lang="en-US" dirty="0"/>
-              <a:t>: Machine ethics</a:t>
-            </a:r>
+              <a:t>: Machine-</a:t>
+            </a:r>
+            <a:r>
+              <a:rPr lang="en-US" dirty="0" err="1"/>
+              <a:t>ethik</a:t>
+            </a:r>
+            <a:endParaRPr lang="en-US" dirty="0"/>
           </a:p>
         </p:txBody>
       </p:sp>
@@ -4285,8 +4584,8 @@
           <a:lstStyle/>
           <a:p>
             <a:r>
-              <a:rPr lang="en-US" sz="1800" dirty="0"/>
-              <a:t>Our prototype model, Delphi, demonstrates strong promise of language-based commonsense moral reasoning, with up to 92.1% accuracy vetted by humans.</a:t>
+              <a:rPr lang="de-DE" sz="1400" dirty="0"/>
+              <a:t>Unser Prototyp-Modell, Delphi, zeigt ein starkes Versprechen vernünftiger moralischer Argumentation mit einer Genauigkeit von bis zu 92,1 %, die von Menschen überprüft wurde.</a:t>
             </a:r>
           </a:p>
           <a:p>
@@ -4343,7 +4642,7 @@
         </p:blipFill>
         <p:spPr>
           <a:xfrm>
-            <a:off x="6084168" y="2355726"/>
+            <a:off x="6590942" y="2230443"/>
             <a:ext cx="1981888" cy="1883074"/>
           </a:xfrm>
           <a:prstGeom prst="rect">
@@ -4359,8 +4658,8 @@
         </p:nvGrpSpPr>
         <p:grpSpPr>
           <a:xfrm>
-            <a:off x="1331640" y="2427734"/>
-            <a:ext cx="3996852" cy="1493863"/>
+            <a:off x="539552" y="2116027"/>
+            <a:ext cx="5650438" cy="2111907"/>
             <a:chOff x="467545" y="2211710"/>
             <a:chExt cx="3996852" cy="1493863"/>
           </a:xfrm>
@@ -4425,161 +4724,6 @@
 </p:sld>
 </file>
 
-<file path=ppt/slides/slide8.xml><?xml version="1.0" encoding="utf-8"?>
-<p:sld xmlns:a="http://schemas.openxmlformats.org/drawingml/2006/main" xmlns:r="http://schemas.openxmlformats.org/officeDocument/2006/relationships" xmlns:p="http://schemas.openxmlformats.org/presentationml/2006/main">
-  <p:cSld>
-    <p:spTree>
-      <p:nvGrpSpPr>
-        <p:cNvPr id="1" name=""/>
-        <p:cNvGrpSpPr/>
-        <p:nvPr/>
-      </p:nvGrpSpPr>
-      <p:grpSpPr>
-        <a:xfrm>
-          <a:off x="0" y="0"/>
-          <a:ext cx="0" cy="0"/>
-          <a:chOff x="0" y="0"/>
-          <a:chExt cx="0" cy="0"/>
-        </a:xfrm>
-      </p:grpSpPr>
-      <p:sp>
-        <p:nvSpPr>
-          <p:cNvPr id="2" name="Title 1">
-            <a:extLst>
-              <a:ext uri="{FF2B5EF4-FFF2-40B4-BE49-F238E27FC236}">
-                <a16:creationId xmlns:a16="http://schemas.microsoft.com/office/drawing/2014/main" id="{34F49B09-791F-4756-ACCE-F94AD34B1755}"/>
-              </a:ext>
-            </a:extLst>
-          </p:cNvPr>
-          <p:cNvSpPr>
-            <a:spLocks noGrp="1"/>
-          </p:cNvSpPr>
-          <p:nvPr>
-            <p:ph type="title"/>
-          </p:nvPr>
-        </p:nvSpPr>
-        <p:spPr/>
-        <p:txBody>
-          <a:bodyPr/>
-          <a:lstStyle/>
-          <a:p>
-            <a:r>
-              <a:rPr lang="de-DE" sz="2800" dirty="0"/>
-              <a:t>Aufgabe: </a:t>
-            </a:r>
-            <a:r>
-              <a:rPr lang="de-DE" sz="2800" dirty="0" err="1"/>
-              <a:t>MindMap</a:t>
-            </a:r>
-            <a:r>
-              <a:rPr lang="de-DE" sz="2800" dirty="0"/>
-              <a:t> über Bildung bei </a:t>
-            </a:r>
-            <a:r>
-              <a:rPr lang="de-DE" sz="2800" dirty="0" err="1"/>
-              <a:t>Dörpinghaus</a:t>
-            </a:r>
-            <a:endParaRPr lang="de-DE" sz="2800" dirty="0"/>
-          </a:p>
-        </p:txBody>
-      </p:sp>
-      <p:sp>
-        <p:nvSpPr>
-          <p:cNvPr id="3" name="Text Placeholder 2">
-            <a:extLst>
-              <a:ext uri="{FF2B5EF4-FFF2-40B4-BE49-F238E27FC236}">
-                <a16:creationId xmlns:a16="http://schemas.microsoft.com/office/drawing/2014/main" id="{0C6B0FCB-ADE8-4880-99AD-B8BEB0C39898}"/>
-              </a:ext>
-            </a:extLst>
-          </p:cNvPr>
-          <p:cNvSpPr>
-            <a:spLocks noGrp="1"/>
-          </p:cNvSpPr>
-          <p:nvPr>
-            <p:ph type="body" sz="quarter" idx="10"/>
-          </p:nvPr>
-        </p:nvSpPr>
-        <p:spPr/>
-        <p:txBody>
-          <a:bodyPr/>
-          <a:lstStyle/>
-          <a:p>
-            <a:r>
-              <a:rPr lang="de-DE" sz="1800" dirty="0"/>
-              <a:t>Bitte fertigen Sie eine </a:t>
-            </a:r>
-            <a:r>
-              <a:rPr lang="de-DE" sz="1800" dirty="0" err="1"/>
-              <a:t>MindMap</a:t>
-            </a:r>
-            <a:r>
-              <a:rPr lang="de-DE" sz="1800" dirty="0"/>
-              <a:t> über den Begriff der Bildung bei </a:t>
-            </a:r>
-            <a:r>
-              <a:rPr lang="de-DE" sz="1800" dirty="0" err="1"/>
-              <a:t>Dörpinghaus</a:t>
-            </a:r>
-            <a:r>
-              <a:rPr lang="de-DE" sz="1800" dirty="0"/>
-              <a:t> an, bezogen auf den gesamten Text. Wenn Sie den Eindruck haben, dass noch etwas zu Bildung gehört, das Sie in dem Text nicht gefunden haben, können Sie es gerne noch hinzufügen. Bitte laden Sie dann Ihre </a:t>
-            </a:r>
-            <a:r>
-              <a:rPr lang="de-DE" sz="1800" dirty="0" err="1"/>
-              <a:t>Mind</a:t>
-            </a:r>
-            <a:r>
-              <a:rPr lang="de-DE" sz="1800" dirty="0"/>
-              <a:t> </a:t>
-            </a:r>
-            <a:r>
-              <a:rPr lang="de-DE" sz="1800" dirty="0" err="1"/>
-              <a:t>Map</a:t>
-            </a:r>
-            <a:r>
-              <a:rPr lang="de-DE" sz="1800" dirty="0"/>
-              <a:t> in dem im </a:t>
-            </a:r>
-            <a:r>
-              <a:rPr lang="de-DE" sz="1800" dirty="0" err="1"/>
-              <a:t>Moodle</a:t>
-            </a:r>
-            <a:r>
-              <a:rPr lang="de-DE" sz="1800" dirty="0"/>
-              <a:t> angelegten Studierendenordner hoch. Sie können die </a:t>
-            </a:r>
-            <a:r>
-              <a:rPr lang="de-DE" sz="1800" dirty="0" err="1"/>
-              <a:t>Map</a:t>
-            </a:r>
-            <a:r>
-              <a:rPr lang="de-DE" sz="1800" dirty="0"/>
-              <a:t> mit einem Programm am Computer erstellen oder per Hand zeichnen und scannen oder fotografieren und dann hochladen. Gerne dürfen Sie dazu auch zeichnen, um die </a:t>
-            </a:r>
-            <a:r>
-              <a:rPr lang="de-DE" sz="1800" dirty="0" err="1"/>
-              <a:t>Map</a:t>
-            </a:r>
-            <a:r>
-              <a:rPr lang="de-DE" sz="1800" dirty="0"/>
-              <a:t> ansprechend zu gestalten.</a:t>
-            </a:r>
-          </a:p>
-        </p:txBody>
-      </p:sp>
-    </p:spTree>
-    <p:extLst>
-      <p:ext uri="{BB962C8B-B14F-4D97-AF65-F5344CB8AC3E}">
-        <p14:creationId xmlns:p14="http://schemas.microsoft.com/office/powerpoint/2010/main" val="377731548"/>
-      </p:ext>
-    </p:extLst>
-  </p:cSld>
-  <p:clrMapOvr>
-    <a:masterClrMapping/>
-  </p:clrMapOvr>
-</p:sld>
-</file>
-
 <file path=ppt/slides/slide9.xml><?xml version="1.0" encoding="utf-8"?>
 <p:sld xmlns:a="http://schemas.openxmlformats.org/drawingml/2006/main" xmlns:r="http://schemas.openxmlformats.org/officeDocument/2006/relationships" xmlns:p="http://schemas.openxmlformats.org/presentationml/2006/main">
   <p:cSld>
@@ -4602,7 +4746,7 @@
           <p:cNvPr id="2" name="Title 1">
             <a:extLst>
               <a:ext uri="{FF2B5EF4-FFF2-40B4-BE49-F238E27FC236}">
-                <a16:creationId xmlns:a16="http://schemas.microsoft.com/office/drawing/2014/main" id="{0DC37077-DE75-4E1A-9675-9E8C39ED87C0}"/>
+                <a16:creationId xmlns:a16="http://schemas.microsoft.com/office/drawing/2014/main" id="{34F49B09-791F-4756-ACCE-F94AD34B1755}"/>
               </a:ext>
             </a:extLst>
           </p:cNvPr>
@@ -4620,17 +4764,21 @@
           <a:p>
             <a:r>
               <a:rPr lang="de-DE" sz="2800" dirty="0"/>
-              <a:t>Nächste</a:t>
-            </a:r>
-            <a:r>
-              <a:rPr lang="en-US" sz="2800" dirty="0"/>
-              <a:t> </a:t>
-            </a:r>
-            <a:r>
-              <a:rPr lang="en-US" sz="2800" dirty="0" err="1"/>
-              <a:t>Woche</a:t>
-            </a:r>
-            <a:endParaRPr lang="en-US" sz="2800" dirty="0"/>
+              <a:t>Aufgabe: </a:t>
+            </a:r>
+            <a:r>
+              <a:rPr lang="de-DE" sz="2800" dirty="0" err="1"/>
+              <a:t>MindMap</a:t>
+            </a:r>
+            <a:r>
+              <a:rPr lang="de-DE" sz="2800" dirty="0"/>
+              <a:t> über Bildung bei </a:t>
+            </a:r>
+            <a:r>
+              <a:rPr lang="de-DE" sz="2800" dirty="0" err="1"/>
+              <a:t>Dörpinghaus</a:t>
+            </a:r>
+            <a:endParaRPr lang="de-DE" sz="2800" dirty="0"/>
           </a:p>
         </p:txBody>
       </p:sp>
@@ -4639,7 +4787,7 @@
           <p:cNvPr id="3" name="Text Placeholder 2">
             <a:extLst>
               <a:ext uri="{FF2B5EF4-FFF2-40B4-BE49-F238E27FC236}">
-                <a16:creationId xmlns:a16="http://schemas.microsoft.com/office/drawing/2014/main" id="{9A8B9131-451A-4C09-ABBC-166016A890C0}"/>
+                <a16:creationId xmlns:a16="http://schemas.microsoft.com/office/drawing/2014/main" id="{0C6B0FCB-ADE8-4880-99AD-B8BEB0C39898}"/>
               </a:ext>
             </a:extLst>
           </p:cNvPr>
@@ -4650,78 +4798,70 @@
             <p:ph type="body" sz="quarter" idx="10"/>
           </p:nvPr>
         </p:nvSpPr>
-        <p:spPr>
-          <a:xfrm>
-            <a:off x="322138" y="1491630"/>
-            <a:ext cx="8642350" cy="3240087"/>
-          </a:xfrm>
-        </p:spPr>
+        <p:spPr/>
         <p:txBody>
           <a:bodyPr/>
           <a:lstStyle/>
           <a:p>
             <a:r>
-              <a:rPr lang="de-DE" sz="1400" dirty="0"/>
-              <a:t>Aufgabe (Nachbereitung)</a:t>
-            </a:r>
-          </a:p>
-          <a:p>
-            <a:pPr lvl="1"/>
-            <a:r>
-              <a:rPr lang="de-DE" sz="1400" dirty="0"/>
-              <a:t>Gestalte ein Mindmap (Max 1 A4) und lade sie als PDF hoch </a:t>
-            </a:r>
-            <a:r>
-              <a:rPr lang="de-DE" sz="1400" dirty="0" err="1"/>
-              <a:t>ueber</a:t>
-            </a:r>
-            <a:r>
-              <a:rPr lang="de-DE" sz="1400" dirty="0"/>
+              <a:rPr lang="de-DE" sz="1800" dirty="0"/>
+              <a:t>Bitte fertigen Sie eine </a:t>
+            </a:r>
+            <a:r>
+              <a:rPr lang="de-DE" sz="1800" dirty="0" err="1"/>
+              <a:t>MindMap</a:t>
+            </a:r>
+            <a:r>
+              <a:rPr lang="de-DE" sz="1800" dirty="0"/>
+              <a:t> über den Begriff der Bildung bei </a:t>
+            </a:r>
+            <a:r>
+              <a:rPr lang="de-DE" sz="1800" dirty="0" err="1"/>
+              <a:t>Dörpinghaus</a:t>
+            </a:r>
+            <a:r>
+              <a:rPr lang="de-DE" sz="1800" dirty="0"/>
+              <a:t> an, bezogen auf den gesamten Text. Wenn Sie den Eindruck haben, dass noch etwas zu Bildung gehört, das Sie in dem Text nicht gefunden haben, können Sie es gerne noch hinzufügen. Bitte laden Sie dann Ihre </a:t>
+            </a:r>
+            <a:r>
+              <a:rPr lang="de-DE" sz="1800" dirty="0" err="1"/>
+              <a:t>Mind</a:t>
+            </a:r>
+            <a:r>
+              <a:rPr lang="de-DE" sz="1800" dirty="0"/>
               <a:t> </a:t>
             </a:r>
             <a:r>
-              <a:rPr lang="de-DE" sz="1400" dirty="0" err="1"/>
+              <a:rPr lang="de-DE" sz="1800" dirty="0" err="1"/>
+              <a:t>Map</a:t>
+            </a:r>
+            <a:r>
+              <a:rPr lang="de-DE" sz="1800" dirty="0"/>
+              <a:t> in dem im </a:t>
+            </a:r>
+            <a:r>
+              <a:rPr lang="de-DE" sz="1800" dirty="0" err="1"/>
               <a:t>Moodle</a:t>
             </a:r>
-            <a:endParaRPr lang="de-DE" sz="1400" dirty="0"/>
-          </a:p>
-          <a:p>
-            <a:pPr lvl="1"/>
-            <a:r>
-              <a:rPr lang="de-DE" sz="1400" dirty="0"/>
-              <a:t>Dritte Eintrag im Portfolio (</a:t>
-            </a:r>
-            <a:r>
-              <a:rPr lang="de-DE" sz="1400" dirty="0" err="1"/>
-              <a:t>Dörpinghaus</a:t>
-            </a:r>
-            <a:r>
-              <a:rPr lang="de-DE" sz="1400" dirty="0"/>
-              <a:t>, Teil 2)</a:t>
-            </a:r>
-          </a:p>
-          <a:p>
-            <a:endParaRPr lang="de-DE" sz="1400" dirty="0"/>
-          </a:p>
-          <a:p>
-            <a:r>
-              <a:rPr lang="de-DE" sz="1400" dirty="0"/>
-              <a:t>Vorbereitendes Material (für nächste Woche): </a:t>
-            </a:r>
-          </a:p>
-          <a:p>
-            <a:pPr lvl="1"/>
             <a:r>
               <a:rPr lang="de-DE" sz="1800" dirty="0"/>
-              <a:t>Offene Sitzung (kein Text und kein </a:t>
+              <a:t> angelegten Studierendenordner hoch. Sie können die </a:t>
             </a:r>
             <a:r>
               <a:rPr lang="de-DE" sz="1800" dirty="0" err="1"/>
-              <a:t>Praesenz</a:t>
+              <a:t>Map</a:t>
             </a:r>
             <a:r>
               <a:rPr lang="de-DE" sz="1800" dirty="0"/>
-              <a:t>(!))</a:t>
+              <a:t> mit einem Programm am Computer erstellen oder per Hand zeichnen und scannen oder fotografieren und dann hochladen. Gerne dürfen Sie dazu auch zeichnen, um die </a:t>
+            </a:r>
+            <a:r>
+              <a:rPr lang="de-DE" sz="1800" dirty="0" err="1"/>
+              <a:t>Map</a:t>
+            </a:r>
+            <a:r>
+              <a:rPr lang="de-DE" sz="1800" dirty="0"/>
+              <a:t> ansprechend zu gestalten.</a:t>
             </a:r>
           </a:p>
         </p:txBody>
@@ -4729,7 +4869,7 @@
     </p:spTree>
     <p:extLst>
       <p:ext uri="{BB962C8B-B14F-4D97-AF65-F5344CB8AC3E}">
-        <p14:creationId xmlns:p14="http://schemas.microsoft.com/office/powerpoint/2010/main" val="2015919101"/>
+        <p14:creationId xmlns:p14="http://schemas.microsoft.com/office/powerpoint/2010/main" val="377731548"/>
       </p:ext>
     </p:extLst>
   </p:cSld>

--- a/folien/week4.pptx
+++ b/folien/week4.pptx
@@ -5,19 +5,21 @@
     <p:sldMasterId id="2147483664" r:id="rId1"/>
   </p:sldMasterIdLst>
   <p:notesMasterIdLst>
-    <p:notesMasterId r:id="rId12"/>
+    <p:notesMasterId r:id="rId14"/>
   </p:notesMasterIdLst>
   <p:sldIdLst>
     <p:sldId id="257" r:id="rId2"/>
-    <p:sldId id="292" r:id="rId3"/>
-    <p:sldId id="293" r:id="rId4"/>
-    <p:sldId id="299" r:id="rId5"/>
-    <p:sldId id="300" r:id="rId6"/>
-    <p:sldId id="301" r:id="rId7"/>
-    <p:sldId id="294" r:id="rId8"/>
-    <p:sldId id="295" r:id="rId9"/>
-    <p:sldId id="291" r:id="rId10"/>
-    <p:sldId id="270" r:id="rId11"/>
+    <p:sldId id="302" r:id="rId3"/>
+    <p:sldId id="292" r:id="rId4"/>
+    <p:sldId id="293" r:id="rId5"/>
+    <p:sldId id="299" r:id="rId6"/>
+    <p:sldId id="303" r:id="rId7"/>
+    <p:sldId id="300" r:id="rId8"/>
+    <p:sldId id="301" r:id="rId9"/>
+    <p:sldId id="294" r:id="rId10"/>
+    <p:sldId id="295" r:id="rId11"/>
+    <p:sldId id="291" r:id="rId12"/>
+    <p:sldId id="270" r:id="rId13"/>
   </p:sldIdLst>
   <p:sldSz cx="9144000" cy="5143500" type="screen16x9"/>
   <p:notesSz cx="6858000" cy="9144000"/>
@@ -122,9 +124,11 @@
         <p14:section name="Default Section" id="{14B77305-5555-4F75-A98A-E4A4AFE81357}">
           <p14:sldIdLst>
             <p14:sldId id="257"/>
+            <p14:sldId id="302"/>
             <p14:sldId id="292"/>
             <p14:sldId id="293"/>
             <p14:sldId id="299"/>
+            <p14:sldId id="303"/>
             <p14:sldId id="300"/>
             <p14:sldId id="301"/>
             <p14:sldId id="294"/>
@@ -235,7 +239,7 @@
           <a:p>
             <a:fld id="{21C000D9-2858-4F4C-AF5C-64F79A7C2410}" type="datetimeFigureOut">
               <a:rPr lang="en-US" smtClean="0"/>
-              <a:t>4/25/2022</a:t>
+              <a:t>4/26/2022</a:t>
             </a:fld>
             <a:endParaRPr lang="en-US"/>
           </a:p>
@@ -567,7 +571,7 @@
           <a:p>
             <a:fld id="{C347FAF7-5C4E-4642-B377-C3A2CDCC9DA1}" type="slidenum">
               <a:rPr lang="en-US" smtClean="0"/>
-              <a:t>4</a:t>
+              <a:t>2</a:t>
             </a:fld>
             <a:endParaRPr lang="en-US"/>
           </a:p>
@@ -576,7 +580,7 @@
     </p:spTree>
     <p:extLst>
       <p:ext uri="{BB962C8B-B14F-4D97-AF65-F5344CB8AC3E}">
-        <p14:creationId xmlns:p14="http://schemas.microsoft.com/office/powerpoint/2010/main" val="2361001015"/>
+        <p14:creationId xmlns:p14="http://schemas.microsoft.com/office/powerpoint/2010/main" val="4233391270"/>
       </p:ext>
     </p:extLst>
   </p:cSld>
@@ -660,7 +664,7 @@
     </p:spTree>
     <p:extLst>
       <p:ext uri="{BB962C8B-B14F-4D97-AF65-F5344CB8AC3E}">
-        <p14:creationId xmlns:p14="http://schemas.microsoft.com/office/powerpoint/2010/main" val="2204890354"/>
+        <p14:creationId xmlns:p14="http://schemas.microsoft.com/office/powerpoint/2010/main" val="2361001015"/>
       </p:ext>
     </p:extLst>
   </p:cSld>
@@ -735,7 +739,7 @@
           <a:p>
             <a:fld id="{C347FAF7-5C4E-4642-B377-C3A2CDCC9DA1}" type="slidenum">
               <a:rPr lang="en-US" smtClean="0"/>
-              <a:t>6</a:t>
+              <a:t>7</a:t>
             </a:fld>
             <a:endParaRPr lang="en-US"/>
           </a:p>
@@ -744,7 +748,7 @@
     </p:spTree>
     <p:extLst>
       <p:ext uri="{BB962C8B-B14F-4D97-AF65-F5344CB8AC3E}">
-        <p14:creationId xmlns:p14="http://schemas.microsoft.com/office/powerpoint/2010/main" val="3623100424"/>
+        <p14:creationId xmlns:p14="http://schemas.microsoft.com/office/powerpoint/2010/main" val="2204890354"/>
       </p:ext>
     </p:extLst>
   </p:cSld>
@@ -819,7 +823,91 @@
           <a:p>
             <a:fld id="{C347FAF7-5C4E-4642-B377-C3A2CDCC9DA1}" type="slidenum">
               <a:rPr lang="en-US" smtClean="0"/>
-              <a:t>10</a:t>
+              <a:t>8</a:t>
+            </a:fld>
+            <a:endParaRPr lang="en-US"/>
+          </a:p>
+        </p:txBody>
+      </p:sp>
+    </p:spTree>
+    <p:extLst>
+      <p:ext uri="{BB962C8B-B14F-4D97-AF65-F5344CB8AC3E}">
+        <p14:creationId xmlns:p14="http://schemas.microsoft.com/office/powerpoint/2010/main" val="3623100424"/>
+      </p:ext>
+    </p:extLst>
+  </p:cSld>
+  <p:clrMapOvr>
+    <a:masterClrMapping/>
+  </p:clrMapOvr>
+</p:notes>
+</file>
+
+<file path=ppt/notesSlides/notesSlide5.xml><?xml version="1.0" encoding="utf-8"?>
+<p:notes xmlns:a="http://schemas.openxmlformats.org/drawingml/2006/main" xmlns:r="http://schemas.openxmlformats.org/officeDocument/2006/relationships" xmlns:p="http://schemas.openxmlformats.org/presentationml/2006/main">
+  <p:cSld>
+    <p:spTree>
+      <p:nvGrpSpPr>
+        <p:cNvPr id="1" name=""/>
+        <p:cNvGrpSpPr/>
+        <p:nvPr/>
+      </p:nvGrpSpPr>
+      <p:grpSpPr>
+        <a:xfrm>
+          <a:off x="0" y="0"/>
+          <a:ext cx="0" cy="0"/>
+          <a:chOff x="0" y="0"/>
+          <a:chExt cx="0" cy="0"/>
+        </a:xfrm>
+      </p:grpSpPr>
+      <p:sp>
+        <p:nvSpPr>
+          <p:cNvPr id="2" name="Slide Image Placeholder 1"/>
+          <p:cNvSpPr>
+            <a:spLocks noGrp="1" noRot="1" noChangeAspect="1"/>
+          </p:cNvSpPr>
+          <p:nvPr>
+            <p:ph type="sldImg"/>
+          </p:nvPr>
+        </p:nvSpPr>
+        <p:spPr/>
+      </p:sp>
+      <p:sp>
+        <p:nvSpPr>
+          <p:cNvPr id="3" name="Notes Placeholder 2"/>
+          <p:cNvSpPr>
+            <a:spLocks noGrp="1"/>
+          </p:cNvSpPr>
+          <p:nvPr>
+            <p:ph type="body" idx="1"/>
+          </p:nvPr>
+        </p:nvSpPr>
+        <p:spPr/>
+        <p:txBody>
+          <a:bodyPr/>
+          <a:lstStyle/>
+          <a:p>
+            <a:endParaRPr lang="de-DE" dirty="0"/>
+          </a:p>
+        </p:txBody>
+      </p:sp>
+      <p:sp>
+        <p:nvSpPr>
+          <p:cNvPr id="4" name="Slide Number Placeholder 3"/>
+          <p:cNvSpPr>
+            <a:spLocks noGrp="1"/>
+          </p:cNvSpPr>
+          <p:nvPr>
+            <p:ph type="sldNum" sz="quarter" idx="5"/>
+          </p:nvPr>
+        </p:nvSpPr>
+        <p:spPr/>
+        <p:txBody>
+          <a:bodyPr/>
+          <a:lstStyle/>
+          <a:p>
+            <a:fld id="{C347FAF7-5C4E-4642-B377-C3A2CDCC9DA1}" type="slidenum">
+              <a:rPr lang="en-US" smtClean="0"/>
+              <a:t>12</a:t>
             </a:fld>
             <a:endParaRPr lang="en-US"/>
           </a:p>
@@ -3476,20 +3564,35 @@
                 <a:latin typeface="Arial" panose="020B0604020202020204" pitchFamily="34" charset="0"/>
                 <a:cs typeface="Arial" panose="020B0604020202020204" pitchFamily="34" charset="0"/>
               </a:rPr>
-              <a:t>4. Sitzung: Bildung</a:t>
-            </a:r>
+              <a:t>4. Sitzung: </a:t>
+            </a:r>
+            <a:r>
+              <a:rPr lang="de-DE" sz="2000" dirty="0" smtClean="0">
+                <a:latin typeface="Arial" panose="020B0604020202020204" pitchFamily="34" charset="0"/>
+                <a:cs typeface="Arial" panose="020B0604020202020204" pitchFamily="34" charset="0"/>
+              </a:rPr>
+              <a:t>Bildung, Teil 2</a:t>
+            </a:r>
+            <a:endParaRPr lang="de-DE" sz="2000" dirty="0">
+              <a:latin typeface="Arial" panose="020B0604020202020204" pitchFamily="34" charset="0"/>
+              <a:cs typeface="Arial" panose="020B0604020202020204" pitchFamily="34" charset="0"/>
+            </a:endParaRPr>
           </a:p>
           <a:p>
             <a:pPr marL="0" indent="0" algn="ctr">
               <a:buNone/>
             </a:pPr>
             <a:r>
-              <a:rPr lang="de-DE" sz="2000" dirty="0">
+              <a:rPr lang="de-DE" sz="2000" dirty="0" smtClean="0">
                 <a:latin typeface="Arial" panose="020B0604020202020204" pitchFamily="34" charset="0"/>
                 <a:cs typeface="Arial" panose="020B0604020202020204" pitchFamily="34" charset="0"/>
               </a:rPr>
-              <a:t>3.11.21</a:t>
-            </a:r>
+              <a:t>26.4.22</a:t>
+            </a:r>
+            <a:endParaRPr lang="de-DE" sz="2000" dirty="0">
+              <a:latin typeface="Arial" panose="020B0604020202020204" pitchFamily="34" charset="0"/>
+              <a:cs typeface="Arial" panose="020B0604020202020204" pitchFamily="34" charset="0"/>
+            </a:endParaRPr>
           </a:p>
         </p:txBody>
       </p:sp>
@@ -3507,1020 +3610,6 @@
 </file>
 
 <file path=ppt/slides/slide10.xml><?xml version="1.0" encoding="utf-8"?>
-<p:sld xmlns:a="http://schemas.openxmlformats.org/drawingml/2006/main" xmlns:r="http://schemas.openxmlformats.org/officeDocument/2006/relationships" xmlns:p="http://schemas.openxmlformats.org/presentationml/2006/main">
-  <p:cSld>
-    <p:spTree>
-      <p:nvGrpSpPr>
-        <p:cNvPr id="1" name=""/>
-        <p:cNvGrpSpPr/>
-        <p:nvPr/>
-      </p:nvGrpSpPr>
-      <p:grpSpPr>
-        <a:xfrm>
-          <a:off x="0" y="0"/>
-          <a:ext cx="0" cy="0"/>
-          <a:chOff x="0" y="0"/>
-          <a:chExt cx="0" cy="0"/>
-        </a:xfrm>
-      </p:grpSpPr>
-      <p:sp>
-        <p:nvSpPr>
-          <p:cNvPr id="2" name="Title 1">
-            <a:extLst>
-              <a:ext uri="{FF2B5EF4-FFF2-40B4-BE49-F238E27FC236}">
-                <a16:creationId xmlns:a16="http://schemas.microsoft.com/office/drawing/2014/main" id="{0DC37077-DE75-4E1A-9675-9E8C39ED87C0}"/>
-              </a:ext>
-            </a:extLst>
-          </p:cNvPr>
-          <p:cNvSpPr>
-            <a:spLocks noGrp="1"/>
-          </p:cNvSpPr>
-          <p:nvPr>
-            <p:ph type="title"/>
-          </p:nvPr>
-        </p:nvSpPr>
-        <p:spPr/>
-        <p:txBody>
-          <a:bodyPr/>
-          <a:lstStyle/>
-          <a:p>
-            <a:r>
-              <a:rPr lang="de-DE" sz="2800" dirty="0"/>
-              <a:t>Nächste</a:t>
-            </a:r>
-            <a:r>
-              <a:rPr lang="en-US" sz="2800" dirty="0"/>
-              <a:t> </a:t>
-            </a:r>
-            <a:r>
-              <a:rPr lang="en-US" sz="2800" dirty="0" err="1"/>
-              <a:t>Woche</a:t>
-            </a:r>
-            <a:endParaRPr lang="en-US" sz="2800" dirty="0"/>
-          </a:p>
-        </p:txBody>
-      </p:sp>
-      <p:sp>
-        <p:nvSpPr>
-          <p:cNvPr id="3" name="Text Placeholder 2">
-            <a:extLst>
-              <a:ext uri="{FF2B5EF4-FFF2-40B4-BE49-F238E27FC236}">
-                <a16:creationId xmlns:a16="http://schemas.microsoft.com/office/drawing/2014/main" id="{9A8B9131-451A-4C09-ABBC-166016A890C0}"/>
-              </a:ext>
-            </a:extLst>
-          </p:cNvPr>
-          <p:cNvSpPr>
-            <a:spLocks noGrp="1"/>
-          </p:cNvSpPr>
-          <p:nvPr>
-            <p:ph type="body" sz="quarter" idx="10"/>
-          </p:nvPr>
-        </p:nvSpPr>
-        <p:spPr>
-          <a:xfrm>
-            <a:off x="322138" y="1491630"/>
-            <a:ext cx="8642350" cy="3240087"/>
-          </a:xfrm>
-        </p:spPr>
-        <p:txBody>
-          <a:bodyPr/>
-          <a:lstStyle/>
-          <a:p>
-            <a:r>
-              <a:rPr lang="de-DE" sz="1400" dirty="0"/>
-              <a:t>Aufgabe (Nachbereitung)</a:t>
-            </a:r>
-          </a:p>
-          <a:p>
-            <a:pPr lvl="1"/>
-            <a:r>
-              <a:rPr lang="de-DE" sz="1400" dirty="0"/>
-              <a:t>Gestalte ein Mindmap (Max 1 A4) und lade sie als PDF hoch </a:t>
-            </a:r>
-            <a:r>
-              <a:rPr lang="de-DE" sz="1400" dirty="0" err="1"/>
-              <a:t>ueber</a:t>
-            </a:r>
-            <a:r>
-              <a:rPr lang="de-DE" sz="1400" dirty="0"/>
-              <a:t> </a:t>
-            </a:r>
-            <a:r>
-              <a:rPr lang="de-DE" sz="1400" dirty="0" err="1"/>
-              <a:t>Moodle</a:t>
-            </a:r>
-            <a:endParaRPr lang="de-DE" sz="1400" dirty="0"/>
-          </a:p>
-          <a:p>
-            <a:pPr lvl="1"/>
-            <a:r>
-              <a:rPr lang="de-DE" sz="1400" dirty="0"/>
-              <a:t>Dritte Eintrag im Portfolio (</a:t>
-            </a:r>
-            <a:r>
-              <a:rPr lang="de-DE" sz="1400" dirty="0" err="1"/>
-              <a:t>Dörpinghaus</a:t>
-            </a:r>
-            <a:r>
-              <a:rPr lang="de-DE" sz="1400" dirty="0"/>
-              <a:t>, Teil 2)</a:t>
-            </a:r>
-          </a:p>
-          <a:p>
-            <a:endParaRPr lang="de-DE" sz="1400" dirty="0"/>
-          </a:p>
-          <a:p>
-            <a:r>
-              <a:rPr lang="de-DE" sz="1400" dirty="0"/>
-              <a:t>Vorbereitendes Material (für nächste Woche): </a:t>
-            </a:r>
-          </a:p>
-          <a:p>
-            <a:pPr lvl="1"/>
-            <a:r>
-              <a:rPr lang="de-DE" sz="1800" dirty="0"/>
-              <a:t>Offene Sitzung (kein Text und kein </a:t>
-            </a:r>
-            <a:r>
-              <a:rPr lang="de-DE" sz="1800" dirty="0" err="1"/>
-              <a:t>Praesenz</a:t>
-            </a:r>
-            <a:r>
-              <a:rPr lang="de-DE" sz="1800" dirty="0"/>
-              <a:t>(!))</a:t>
-            </a:r>
-          </a:p>
-        </p:txBody>
-      </p:sp>
-    </p:spTree>
-    <p:extLst>
-      <p:ext uri="{BB962C8B-B14F-4D97-AF65-F5344CB8AC3E}">
-        <p14:creationId xmlns:p14="http://schemas.microsoft.com/office/powerpoint/2010/main" val="2015919101"/>
-      </p:ext>
-    </p:extLst>
-  </p:cSld>
-  <p:clrMapOvr>
-    <a:masterClrMapping/>
-  </p:clrMapOvr>
-</p:sld>
-</file>
-
-<file path=ppt/slides/slide2.xml><?xml version="1.0" encoding="utf-8"?>
-<p:sld xmlns:a="http://schemas.openxmlformats.org/drawingml/2006/main" xmlns:r="http://schemas.openxmlformats.org/officeDocument/2006/relationships" xmlns:p="http://schemas.openxmlformats.org/presentationml/2006/main">
-  <p:cSld>
-    <p:spTree>
-      <p:nvGrpSpPr>
-        <p:cNvPr id="1" name=""/>
-        <p:cNvGrpSpPr/>
-        <p:nvPr/>
-      </p:nvGrpSpPr>
-      <p:grpSpPr>
-        <a:xfrm>
-          <a:off x="0" y="0"/>
-          <a:ext cx="0" cy="0"/>
-          <a:chOff x="0" y="0"/>
-          <a:chExt cx="0" cy="0"/>
-        </a:xfrm>
-      </p:grpSpPr>
-      <p:sp>
-        <p:nvSpPr>
-          <p:cNvPr id="2" name="Title 1">
-            <a:extLst>
-              <a:ext uri="{FF2B5EF4-FFF2-40B4-BE49-F238E27FC236}">
-                <a16:creationId xmlns:a16="http://schemas.microsoft.com/office/drawing/2014/main" id="{D3EF5A85-857F-4958-A733-2E1F1E3EB717}"/>
-              </a:ext>
-            </a:extLst>
-          </p:cNvPr>
-          <p:cNvSpPr>
-            <a:spLocks noGrp="1"/>
-          </p:cNvSpPr>
-          <p:nvPr>
-            <p:ph type="title"/>
-          </p:nvPr>
-        </p:nvSpPr>
-        <p:spPr/>
-        <p:txBody>
-          <a:bodyPr/>
-          <a:lstStyle/>
-          <a:p>
-            <a:r>
-              <a:rPr lang="de-DE" dirty="0"/>
-              <a:t>Bildung nach Humboldt</a:t>
-            </a:r>
-          </a:p>
-        </p:txBody>
-      </p:sp>
-      <p:sp>
-        <p:nvSpPr>
-          <p:cNvPr id="3" name="Text Placeholder 2">
-            <a:extLst>
-              <a:ext uri="{FF2B5EF4-FFF2-40B4-BE49-F238E27FC236}">
-                <a16:creationId xmlns:a16="http://schemas.microsoft.com/office/drawing/2014/main" id="{752071FC-A0F8-423F-AFAE-76A9256AF462}"/>
-              </a:ext>
-            </a:extLst>
-          </p:cNvPr>
-          <p:cNvSpPr>
-            <a:spLocks noGrp="1"/>
-          </p:cNvSpPr>
-          <p:nvPr>
-            <p:ph type="body" sz="quarter" idx="10"/>
-          </p:nvPr>
-        </p:nvSpPr>
-        <p:spPr/>
-        <p:txBody>
-          <a:bodyPr/>
-          <a:lstStyle/>
-          <a:p>
-            <a:r>
-              <a:rPr lang="de-DE" sz="1400" dirty="0"/>
-              <a:t>Bildung ist nicht auf bestimmte Fächer beschränkt, sondern </a:t>
-            </a:r>
-            <a:r>
-              <a:rPr lang="de-DE" sz="1400" b="1" dirty="0"/>
-              <a:t>allgemein</a:t>
-            </a:r>
-            <a:r>
-              <a:rPr lang="de-DE" sz="1400" dirty="0"/>
-              <a:t>, umfassend.</a:t>
-            </a:r>
-          </a:p>
-          <a:p>
-            <a:r>
-              <a:rPr lang="de-DE" sz="1400" dirty="0"/>
-              <a:t>Bildung hat keinen äußeren Zweck, sondern dient der Entwicklung dessen, was in einem Menschen steckt, </a:t>
-            </a:r>
-            <a:r>
-              <a:rPr lang="de-DE" sz="1400" b="1" dirty="0"/>
-              <a:t>seinen</a:t>
-            </a:r>
-            <a:r>
-              <a:rPr lang="de-DE" sz="1400" dirty="0"/>
-              <a:t> </a:t>
-            </a:r>
-            <a:r>
-              <a:rPr lang="de-DE" sz="1400" b="1" dirty="0"/>
-              <a:t>Kräften</a:t>
-            </a:r>
-            <a:r>
-              <a:rPr lang="de-DE" sz="1400" dirty="0"/>
-              <a:t>.</a:t>
-            </a:r>
-          </a:p>
-          <a:p>
-            <a:r>
-              <a:rPr lang="de-DE" sz="1400" dirty="0"/>
-              <a:t>Nach Humboldt geht es in der Bildung darum, die eigenen Kräfte auszubilden, und zwar so </a:t>
-            </a:r>
-            <a:r>
-              <a:rPr lang="de-DE" sz="1400" b="1" dirty="0"/>
-              <a:t>ausgewogen</a:t>
-            </a:r>
-            <a:r>
-              <a:rPr lang="de-DE" sz="1400" dirty="0"/>
-              <a:t> wie möglich, das heißt, die geistigen Kräfte, die emotionalen und die kognitiven.</a:t>
-            </a:r>
-          </a:p>
-          <a:p>
-            <a:r>
-              <a:rPr lang="de-DE" sz="1400" b="1" dirty="0"/>
-              <a:t>Sprache</a:t>
-            </a:r>
-            <a:r>
-              <a:rPr lang="de-DE" sz="1400" dirty="0"/>
-              <a:t> ist für Humboldt ein wichtiges Medium für Bildung, weil sie zwischen Welt und Ich vermittelt.</a:t>
-            </a:r>
-          </a:p>
-          <a:p>
-            <a:r>
-              <a:rPr lang="de-DE" sz="1400" dirty="0"/>
-              <a:t>Bildung ist ein lebenslanger Prozess, prinzipiell </a:t>
-            </a:r>
-            <a:r>
-              <a:rPr lang="de-DE" sz="1400" b="1" dirty="0"/>
-              <a:t>unabhängig von schulischen Laufbahnen</a:t>
-            </a:r>
-            <a:r>
-              <a:rPr lang="de-DE" sz="1400" dirty="0"/>
-              <a:t>.</a:t>
-            </a:r>
-          </a:p>
-          <a:p>
-            <a:r>
-              <a:rPr lang="de-DE" sz="1400" dirty="0"/>
-              <a:t>Ziele der Bildung sind ein freies Denken, Autonomie und Mündigkeit. Damit ist auch gewährleistet, dass der gebildete Mensch ein </a:t>
-            </a:r>
-            <a:r>
-              <a:rPr lang="de-DE" sz="1400" b="1" dirty="0"/>
-              <a:t>moralisch</a:t>
-            </a:r>
-            <a:r>
-              <a:rPr lang="de-DE" sz="1400" dirty="0"/>
-              <a:t> guter Mensch ist.</a:t>
-            </a:r>
-          </a:p>
-          <a:p>
-            <a:r>
-              <a:rPr lang="de-DE" sz="1400" dirty="0"/>
-              <a:t>Schließlich ist Bildung nach Humboldt nicht passiv, sondern </a:t>
-            </a:r>
-            <a:r>
-              <a:rPr lang="de-DE" sz="1400" b="1" dirty="0"/>
-              <a:t>aktiv</a:t>
-            </a:r>
-            <a:r>
-              <a:rPr lang="de-DE" sz="1400" dirty="0"/>
-              <a:t>. Ich kann nicht gebildet werden, sondern mich nur selbst bilden.</a:t>
-            </a:r>
-          </a:p>
-        </p:txBody>
-      </p:sp>
-    </p:spTree>
-    <p:extLst>
-      <p:ext uri="{BB962C8B-B14F-4D97-AF65-F5344CB8AC3E}">
-        <p14:creationId xmlns:p14="http://schemas.microsoft.com/office/powerpoint/2010/main" val="3145390003"/>
-      </p:ext>
-    </p:extLst>
-  </p:cSld>
-  <p:clrMapOvr>
-    <a:masterClrMapping/>
-  </p:clrMapOvr>
-</p:sld>
-</file>
-
-<file path=ppt/slides/slide3.xml><?xml version="1.0" encoding="utf-8"?>
-<p:sld xmlns:a="http://schemas.openxmlformats.org/drawingml/2006/main" xmlns:r="http://schemas.openxmlformats.org/officeDocument/2006/relationships" xmlns:p="http://schemas.openxmlformats.org/presentationml/2006/main">
-  <p:cSld>
-    <p:spTree>
-      <p:nvGrpSpPr>
-        <p:cNvPr id="1" name=""/>
-        <p:cNvGrpSpPr/>
-        <p:nvPr/>
-      </p:nvGrpSpPr>
-      <p:grpSpPr>
-        <a:xfrm>
-          <a:off x="0" y="0"/>
-          <a:ext cx="0" cy="0"/>
-          <a:chOff x="0" y="0"/>
-          <a:chExt cx="0" cy="0"/>
-        </a:xfrm>
-      </p:grpSpPr>
-      <p:sp>
-        <p:nvSpPr>
-          <p:cNvPr id="2" name="Title 1">
-            <a:extLst>
-              <a:ext uri="{FF2B5EF4-FFF2-40B4-BE49-F238E27FC236}">
-                <a16:creationId xmlns:a16="http://schemas.microsoft.com/office/drawing/2014/main" id="{FB929CFC-1D80-412D-BAA0-75BBE10082C4}"/>
-              </a:ext>
-            </a:extLst>
-          </p:cNvPr>
-          <p:cNvSpPr>
-            <a:spLocks noGrp="1"/>
-          </p:cNvSpPr>
-          <p:nvPr>
-            <p:ph type="title"/>
-          </p:nvPr>
-        </p:nvSpPr>
-        <p:spPr/>
-        <p:txBody>
-          <a:bodyPr/>
-          <a:lstStyle/>
-          <a:p>
-            <a:r>
-              <a:rPr lang="de-DE" sz="3200" dirty="0"/>
-              <a:t>Universität nach Humboldt </a:t>
-            </a:r>
-            <a:endParaRPr lang="de-DE" dirty="0"/>
-          </a:p>
-        </p:txBody>
-      </p:sp>
-      <p:sp>
-        <p:nvSpPr>
-          <p:cNvPr id="3" name="Text Placeholder 2">
-            <a:extLst>
-              <a:ext uri="{FF2B5EF4-FFF2-40B4-BE49-F238E27FC236}">
-                <a16:creationId xmlns:a16="http://schemas.microsoft.com/office/drawing/2014/main" id="{EF50E78B-3DE9-4A46-A866-5A2FB55A85C8}"/>
-              </a:ext>
-            </a:extLst>
-          </p:cNvPr>
-          <p:cNvSpPr>
-            <a:spLocks noGrp="1"/>
-          </p:cNvSpPr>
-          <p:nvPr>
-            <p:ph type="body" sz="quarter" idx="10"/>
-          </p:nvPr>
-        </p:nvSpPr>
-        <p:spPr/>
-        <p:txBody>
-          <a:bodyPr/>
-          <a:lstStyle/>
-          <a:p>
-            <a:r>
-              <a:rPr lang="de-DE" sz="1600" dirty="0"/>
-              <a:t>Ziel der Universität ist es, dass sie den Studierenden (und den Dozierenden) </a:t>
-            </a:r>
-            <a:r>
-              <a:rPr lang="de-DE" sz="1600" b="1" dirty="0"/>
-              <a:t>ermöglicht</a:t>
-            </a:r>
-            <a:r>
-              <a:rPr lang="de-DE" sz="1600" dirty="0"/>
-              <a:t>, sich zu bilden.</a:t>
-            </a:r>
-          </a:p>
-          <a:p>
-            <a:r>
-              <a:rPr lang="de-DE" sz="1600" dirty="0"/>
-              <a:t>Deshalb sollte auch </a:t>
-            </a:r>
-            <a:r>
-              <a:rPr lang="de-DE" sz="1600" b="1" dirty="0"/>
-              <a:t>kritisches</a:t>
-            </a:r>
-            <a:r>
-              <a:rPr lang="de-DE" sz="1600" dirty="0"/>
-              <a:t> </a:t>
-            </a:r>
-            <a:r>
-              <a:rPr lang="de-DE" sz="1600" b="1" dirty="0"/>
-              <a:t>Denken</a:t>
-            </a:r>
-            <a:r>
-              <a:rPr lang="de-DE" sz="1600" dirty="0"/>
-              <a:t> an der Universität seinen Platz finden; Universität wäre dann unter anderem ein Ort der Diskussion.</a:t>
-            </a:r>
-          </a:p>
-          <a:p>
-            <a:r>
-              <a:rPr lang="de-DE" sz="1600" dirty="0"/>
-              <a:t>Universität sollte demnach </a:t>
-            </a:r>
-            <a:r>
-              <a:rPr lang="de-DE" sz="1600" b="1" dirty="0"/>
-              <a:t>nicht an berufliche Abschlüsse </a:t>
-            </a:r>
-            <a:r>
-              <a:rPr lang="de-DE" sz="1600" dirty="0"/>
-              <a:t>gebunden sein.</a:t>
-            </a:r>
-          </a:p>
-          <a:p>
-            <a:r>
-              <a:rPr lang="de-DE" sz="1600" dirty="0"/>
-              <a:t>Im Gegenteil: Sie sollte gänzlich </a:t>
-            </a:r>
-            <a:r>
-              <a:rPr lang="de-DE" sz="1600" b="1" dirty="0"/>
-              <a:t>frei</a:t>
-            </a:r>
-            <a:r>
-              <a:rPr lang="de-DE" sz="1600" dirty="0"/>
-              <a:t> sein; es gibt also keine festen Studiengänge und keine Prüfungen, keine Stundenpläne, keine Regelstudienzeit, keine Noten, keine Pflichtveranstaltungen und keine modularen Vorgaben. Sie ist für alle frei zugänglich und ermöglicht es den Studierenden, den Dingen auf den Grund zu gehen.</a:t>
-            </a:r>
-          </a:p>
-          <a:p>
-            <a:r>
-              <a:rPr lang="de-DE" sz="1600" dirty="0"/>
-              <a:t>Studierende und Professor*innen </a:t>
-            </a:r>
-            <a:r>
-              <a:rPr lang="de-DE" sz="1600" b="1" dirty="0"/>
-              <a:t>forschen</a:t>
-            </a:r>
-            <a:r>
-              <a:rPr lang="de-DE" sz="1600" dirty="0"/>
-              <a:t> </a:t>
-            </a:r>
-            <a:r>
-              <a:rPr lang="de-DE" sz="1600" b="1" dirty="0"/>
-              <a:t>gemeinsam</a:t>
-            </a:r>
-            <a:r>
-              <a:rPr lang="de-DE" sz="1600" dirty="0"/>
-              <a:t> an den Dingen, die sie interessieren, auch in der Kombination verschiedener Fachrichtungen.</a:t>
-            </a:r>
-          </a:p>
-        </p:txBody>
-      </p:sp>
-    </p:spTree>
-    <p:extLst>
-      <p:ext uri="{BB962C8B-B14F-4D97-AF65-F5344CB8AC3E}">
-        <p14:creationId xmlns:p14="http://schemas.microsoft.com/office/powerpoint/2010/main" val="2224340887"/>
-      </p:ext>
-    </p:extLst>
-  </p:cSld>
-  <p:clrMapOvr>
-    <a:masterClrMapping/>
-  </p:clrMapOvr>
-</p:sld>
-</file>
-
-<file path=ppt/slides/slide4.xml><?xml version="1.0" encoding="utf-8"?>
-<p:sld xmlns:a="http://schemas.openxmlformats.org/drawingml/2006/main" xmlns:r="http://schemas.openxmlformats.org/officeDocument/2006/relationships" xmlns:p="http://schemas.openxmlformats.org/presentationml/2006/main">
-  <p:cSld>
-    <p:spTree>
-      <p:nvGrpSpPr>
-        <p:cNvPr id="1" name=""/>
-        <p:cNvGrpSpPr/>
-        <p:nvPr/>
-      </p:nvGrpSpPr>
-      <p:grpSpPr>
-        <a:xfrm>
-          <a:off x="0" y="0"/>
-          <a:ext cx="0" cy="0"/>
-          <a:chOff x="0" y="0"/>
-          <a:chExt cx="0" cy="0"/>
-        </a:xfrm>
-      </p:grpSpPr>
-      <p:sp>
-        <p:nvSpPr>
-          <p:cNvPr id="2" name="Title 1">
-            <a:extLst>
-              <a:ext uri="{FF2B5EF4-FFF2-40B4-BE49-F238E27FC236}">
-                <a16:creationId xmlns:a16="http://schemas.microsoft.com/office/drawing/2014/main" id="{726CFC8C-1318-4C6A-8121-B0E490967570}"/>
-              </a:ext>
-            </a:extLst>
-          </p:cNvPr>
-          <p:cNvSpPr>
-            <a:spLocks noGrp="1"/>
-          </p:cNvSpPr>
-          <p:nvPr>
-            <p:ph type="title"/>
-          </p:nvPr>
-        </p:nvSpPr>
-        <p:spPr/>
-        <p:txBody>
-          <a:bodyPr/>
-          <a:lstStyle/>
-          <a:p>
-            <a:r>
-              <a:rPr lang="de-DE" dirty="0"/>
-              <a:t>4 </a:t>
-            </a:r>
-            <a:r>
-              <a:rPr lang="de-DE" dirty="0" err="1"/>
-              <a:t>Sichfremdwerden</a:t>
-            </a:r>
-            <a:endParaRPr lang="de-DE" dirty="0"/>
-          </a:p>
-        </p:txBody>
-      </p:sp>
-      <p:sp>
-        <p:nvSpPr>
-          <p:cNvPr id="3" name="Text Placeholder 2">
-            <a:extLst>
-              <a:ext uri="{FF2B5EF4-FFF2-40B4-BE49-F238E27FC236}">
-                <a16:creationId xmlns:a16="http://schemas.microsoft.com/office/drawing/2014/main" id="{1D15CE9D-53EF-4ED0-817A-A92398460154}"/>
-              </a:ext>
-            </a:extLst>
-          </p:cNvPr>
-          <p:cNvSpPr>
-            <a:spLocks noGrp="1"/>
-          </p:cNvSpPr>
-          <p:nvPr>
-            <p:ph type="body" sz="quarter" idx="10"/>
-          </p:nvPr>
-        </p:nvSpPr>
-        <p:spPr/>
-        <p:txBody>
-          <a:bodyPr/>
-          <a:lstStyle/>
-          <a:p>
-            <a:r>
-              <a:rPr lang="de-DE" dirty="0"/>
-              <a:t>Transformation des Selbst (wie das Höhlengleichnis)</a:t>
-            </a:r>
-          </a:p>
-          <a:p>
-            <a:r>
-              <a:rPr lang="de-DE" dirty="0"/>
-              <a:t>Zwischenraum von Eigenem und Fremdem</a:t>
-            </a:r>
-          </a:p>
-          <a:p>
-            <a:r>
-              <a:rPr lang="de-DE" dirty="0"/>
-              <a:t>Humboldt: „Wechselwirkung zwischen Ich und Welt“</a:t>
-            </a:r>
-          </a:p>
-          <a:p>
-            <a:r>
-              <a:rPr lang="de-DE" dirty="0"/>
-              <a:t>ein hypothetisches Leben (Robert Musil, 1880-1942, Schriftsteller) auf schwankendem Untergrund</a:t>
-            </a:r>
-          </a:p>
-          <a:p>
-            <a:pPr lvl="1"/>
-            <a:r>
-              <a:rPr lang="de-DE" sz="1600" dirty="0"/>
-              <a:t>Gegenwart sei "nichts als eine Hypothese, über die man noch nicht hinausgekommen ist"</a:t>
-            </a:r>
-            <a:endParaRPr lang="de-DE" dirty="0"/>
-          </a:p>
-        </p:txBody>
-      </p:sp>
-    </p:spTree>
-    <p:extLst>
-      <p:ext uri="{BB962C8B-B14F-4D97-AF65-F5344CB8AC3E}">
-        <p14:creationId xmlns:p14="http://schemas.microsoft.com/office/powerpoint/2010/main" val="3181984991"/>
-      </p:ext>
-    </p:extLst>
-  </p:cSld>
-  <p:clrMapOvr>
-    <a:masterClrMapping/>
-  </p:clrMapOvr>
-</p:sld>
-</file>
-
-<file path=ppt/slides/slide5.xml><?xml version="1.0" encoding="utf-8"?>
-<p:sld xmlns:a="http://schemas.openxmlformats.org/drawingml/2006/main" xmlns:r="http://schemas.openxmlformats.org/officeDocument/2006/relationships" xmlns:p="http://schemas.openxmlformats.org/presentationml/2006/main">
-  <p:cSld>
-    <p:spTree>
-      <p:nvGrpSpPr>
-        <p:cNvPr id="1" name=""/>
-        <p:cNvGrpSpPr/>
-        <p:nvPr/>
-      </p:nvGrpSpPr>
-      <p:grpSpPr>
-        <a:xfrm>
-          <a:off x="0" y="0"/>
-          <a:ext cx="0" cy="0"/>
-          <a:chOff x="0" y="0"/>
-          <a:chExt cx="0" cy="0"/>
-        </a:xfrm>
-      </p:grpSpPr>
-      <p:sp>
-        <p:nvSpPr>
-          <p:cNvPr id="2" name="Title 1">
-            <a:extLst>
-              <a:ext uri="{FF2B5EF4-FFF2-40B4-BE49-F238E27FC236}">
-                <a16:creationId xmlns:a16="http://schemas.microsoft.com/office/drawing/2014/main" id="{726CFC8C-1318-4C6A-8121-B0E490967570}"/>
-              </a:ext>
-            </a:extLst>
-          </p:cNvPr>
-          <p:cNvSpPr>
-            <a:spLocks noGrp="1"/>
-          </p:cNvSpPr>
-          <p:nvPr>
-            <p:ph type="title"/>
-          </p:nvPr>
-        </p:nvSpPr>
-        <p:spPr/>
-        <p:txBody>
-          <a:bodyPr/>
-          <a:lstStyle/>
-          <a:p>
-            <a:r>
-              <a:rPr lang="de-DE" dirty="0"/>
-              <a:t>4 </a:t>
-            </a:r>
-            <a:r>
-              <a:rPr lang="de-DE" dirty="0" err="1"/>
-              <a:t>Wartenkönnen</a:t>
-            </a:r>
-            <a:r>
-              <a:rPr lang="de-DE" dirty="0"/>
-              <a:t> und Verzögerung</a:t>
-            </a:r>
-          </a:p>
-        </p:txBody>
-      </p:sp>
-      <p:sp>
-        <p:nvSpPr>
-          <p:cNvPr id="3" name="Text Placeholder 2">
-            <a:extLst>
-              <a:ext uri="{FF2B5EF4-FFF2-40B4-BE49-F238E27FC236}">
-                <a16:creationId xmlns:a16="http://schemas.microsoft.com/office/drawing/2014/main" id="{1D15CE9D-53EF-4ED0-817A-A92398460154}"/>
-              </a:ext>
-            </a:extLst>
-          </p:cNvPr>
-          <p:cNvSpPr>
-            <a:spLocks noGrp="1"/>
-          </p:cNvSpPr>
-          <p:nvPr>
-            <p:ph type="body" sz="quarter" idx="10"/>
-          </p:nvPr>
-        </p:nvSpPr>
-        <p:spPr/>
-        <p:txBody>
-          <a:bodyPr/>
-          <a:lstStyle/>
-          <a:p>
-            <a:r>
-              <a:rPr lang="de-DE" dirty="0"/>
-              <a:t>nicht reagieren, sondern antworten</a:t>
-            </a:r>
-          </a:p>
-          <a:p>
-            <a:r>
-              <a:rPr lang="de-DE" dirty="0"/>
-              <a:t>hin zur Frage nach Sinn und Bedeutung</a:t>
-            </a:r>
-          </a:p>
-          <a:p>
-            <a:r>
-              <a:rPr lang="de-DE" dirty="0"/>
-              <a:t>Warten, </a:t>
-            </a:r>
-            <a:r>
-              <a:rPr lang="de-DE" dirty="0" err="1"/>
-              <a:t>videre</a:t>
-            </a:r>
-            <a:r>
-              <a:rPr lang="de-DE" dirty="0"/>
-              <a:t>, schauen (Adorno)</a:t>
-            </a:r>
-          </a:p>
-          <a:p>
-            <a:r>
-              <a:rPr lang="de-DE" dirty="0"/>
-              <a:t>Verarbeitung lasse dem Gegenstand keinerlei Zeit (Horkheimer)</a:t>
-            </a:r>
-          </a:p>
-          <a:p>
-            <a:r>
-              <a:rPr lang="de-DE" dirty="0"/>
-              <a:t>Zeitdispositiv / Trivialformel / Zeitdisziplinaranstalten</a:t>
-            </a:r>
-          </a:p>
-          <a:p>
-            <a:endParaRPr lang="de-DE" dirty="0"/>
-          </a:p>
-        </p:txBody>
-      </p:sp>
-    </p:spTree>
-    <p:extLst>
-      <p:ext uri="{BB962C8B-B14F-4D97-AF65-F5344CB8AC3E}">
-        <p14:creationId xmlns:p14="http://schemas.microsoft.com/office/powerpoint/2010/main" val="1860022223"/>
-      </p:ext>
-    </p:extLst>
-  </p:cSld>
-  <p:clrMapOvr>
-    <a:masterClrMapping/>
-  </p:clrMapOvr>
-</p:sld>
-</file>
-
-<file path=ppt/slides/slide6.xml><?xml version="1.0" encoding="utf-8"?>
-<p:sld xmlns:a="http://schemas.openxmlformats.org/drawingml/2006/main" xmlns:r="http://schemas.openxmlformats.org/officeDocument/2006/relationships" xmlns:p="http://schemas.openxmlformats.org/presentationml/2006/main">
-  <p:cSld>
-    <p:spTree>
-      <p:nvGrpSpPr>
-        <p:cNvPr id="1" name=""/>
-        <p:cNvGrpSpPr/>
-        <p:nvPr/>
-      </p:nvGrpSpPr>
-      <p:grpSpPr>
-        <a:xfrm>
-          <a:off x="0" y="0"/>
-          <a:ext cx="0" cy="0"/>
-          <a:chOff x="0" y="0"/>
-          <a:chExt cx="0" cy="0"/>
-        </a:xfrm>
-      </p:grpSpPr>
-      <p:sp>
-        <p:nvSpPr>
-          <p:cNvPr id="2" name="Title 1">
-            <a:extLst>
-              <a:ext uri="{FF2B5EF4-FFF2-40B4-BE49-F238E27FC236}">
-                <a16:creationId xmlns:a16="http://schemas.microsoft.com/office/drawing/2014/main" id="{726CFC8C-1318-4C6A-8121-B0E490967570}"/>
-              </a:ext>
-            </a:extLst>
-          </p:cNvPr>
-          <p:cNvSpPr>
-            <a:spLocks noGrp="1"/>
-          </p:cNvSpPr>
-          <p:nvPr>
-            <p:ph type="title"/>
-          </p:nvPr>
-        </p:nvSpPr>
-        <p:spPr/>
-        <p:txBody>
-          <a:bodyPr/>
-          <a:lstStyle/>
-          <a:p>
-            <a:r>
-              <a:rPr lang="de-DE" dirty="0"/>
-              <a:t>4 kulturelles Gedächtnis</a:t>
-            </a:r>
-          </a:p>
-        </p:txBody>
-      </p:sp>
-      <p:sp>
-        <p:nvSpPr>
-          <p:cNvPr id="3" name="Text Placeholder 2">
-            <a:extLst>
-              <a:ext uri="{FF2B5EF4-FFF2-40B4-BE49-F238E27FC236}">
-                <a16:creationId xmlns:a16="http://schemas.microsoft.com/office/drawing/2014/main" id="{1D15CE9D-53EF-4ED0-817A-A92398460154}"/>
-              </a:ext>
-            </a:extLst>
-          </p:cNvPr>
-          <p:cNvSpPr>
-            <a:spLocks noGrp="1"/>
-          </p:cNvSpPr>
-          <p:nvPr>
-            <p:ph type="body" sz="quarter" idx="10"/>
-          </p:nvPr>
-        </p:nvSpPr>
-        <p:spPr/>
-        <p:txBody>
-          <a:bodyPr/>
-          <a:lstStyle/>
-          <a:p>
-            <a:r>
-              <a:rPr lang="de-DE" sz="2000" dirty="0"/>
-              <a:t>historische Situation, von der aus Verstehen stattfindet</a:t>
-            </a:r>
-          </a:p>
-          <a:p>
-            <a:r>
-              <a:rPr lang="de-DE" sz="2000" dirty="0"/>
-              <a:t>Kulturgüter</a:t>
-            </a:r>
-          </a:p>
-          <a:p>
-            <a:r>
-              <a:rPr lang="de-DE" sz="2000" dirty="0"/>
-              <a:t>symbolische Formen (Ernst Cassirer), Sinnentwürfe</a:t>
-            </a:r>
-          </a:p>
-          <a:p>
-            <a:r>
-              <a:rPr lang="de-DE" sz="2000" dirty="0"/>
-              <a:t>kulturelles und kommunikatives Gedächtnis )Aleida und Jan Assmann)</a:t>
-            </a:r>
-          </a:p>
-          <a:p>
-            <a:r>
-              <a:rPr lang="de-DE" sz="2000" dirty="0"/>
-              <a:t>Kein Platz für ethischen Fragen im polizeilichen Gefüge </a:t>
-            </a:r>
-          </a:p>
-          <a:p>
-            <a:r>
-              <a:rPr lang="de-DE" sz="2000" dirty="0"/>
-              <a:t>anachronistisch-kritischen Zugriff</a:t>
-            </a:r>
-          </a:p>
-          <a:p>
-            <a:r>
-              <a:rPr lang="de-DE" sz="2000" dirty="0" err="1"/>
-              <a:t>kairotische</a:t>
-            </a:r>
-            <a:r>
-              <a:rPr lang="de-DE" sz="2000" dirty="0"/>
-              <a:t> Ereignisse (</a:t>
-            </a:r>
-            <a:r>
-              <a:rPr lang="de-DE" sz="2000" dirty="0">
-                <a:hlinkClick r:id="rId3"/>
-              </a:rPr>
-              <a:t>wikipedia.org/wiki/Kairos</a:t>
-            </a:r>
-            <a:r>
-              <a:rPr lang="de-DE" sz="2000" dirty="0"/>
-              <a:t>), die gute Gelegenheit</a:t>
-            </a:r>
-          </a:p>
-          <a:p>
-            <a:r>
-              <a:rPr lang="de-DE" sz="2000" dirty="0" err="1"/>
-              <a:t>Widerständigkeit</a:t>
-            </a:r>
-            <a:r>
-              <a:rPr lang="de-DE" sz="2000" dirty="0"/>
-              <a:t> gegen die Verdummung</a:t>
-            </a:r>
-          </a:p>
-          <a:p>
-            <a:endParaRPr lang="de-DE" sz="2000" dirty="0"/>
-          </a:p>
-        </p:txBody>
-      </p:sp>
-    </p:spTree>
-    <p:extLst>
-      <p:ext uri="{BB962C8B-B14F-4D97-AF65-F5344CB8AC3E}">
-        <p14:creationId xmlns:p14="http://schemas.microsoft.com/office/powerpoint/2010/main" val="1868279417"/>
-      </p:ext>
-    </p:extLst>
-  </p:cSld>
-  <p:clrMapOvr>
-    <a:masterClrMapping/>
-  </p:clrMapOvr>
-</p:sld>
-</file>
-
-<file path=ppt/slides/slide7.xml><?xml version="1.0" encoding="utf-8"?>
-<p:sld xmlns:a="http://schemas.openxmlformats.org/drawingml/2006/main" xmlns:r="http://schemas.openxmlformats.org/officeDocument/2006/relationships" xmlns:p="http://schemas.openxmlformats.org/presentationml/2006/main">
-  <p:cSld>
-    <p:spTree>
-      <p:nvGrpSpPr>
-        <p:cNvPr id="1" name=""/>
-        <p:cNvGrpSpPr/>
-        <p:nvPr/>
-      </p:nvGrpSpPr>
-      <p:grpSpPr>
-        <a:xfrm>
-          <a:off x="0" y="0"/>
-          <a:ext cx="0" cy="0"/>
-          <a:chOff x="0" y="0"/>
-          <a:chExt cx="0" cy="0"/>
-        </a:xfrm>
-      </p:grpSpPr>
-      <p:sp>
-        <p:nvSpPr>
-          <p:cNvPr id="2" name="Titel 1"/>
-          <p:cNvSpPr>
-            <a:spLocks noGrp="1"/>
-          </p:cNvSpPr>
-          <p:nvPr>
-            <p:ph type="title"/>
-          </p:nvPr>
-        </p:nvSpPr>
-        <p:spPr/>
-        <p:txBody>
-          <a:bodyPr/>
-          <a:lstStyle/>
-          <a:p>
-            <a:endParaRPr lang="en-US"/>
-          </a:p>
-        </p:txBody>
-      </p:sp>
-      <p:sp>
-        <p:nvSpPr>
-          <p:cNvPr id="3" name="Inhaltsplatzhalter 2"/>
-          <p:cNvSpPr>
-            <a:spLocks noGrp="1"/>
-          </p:cNvSpPr>
-          <p:nvPr>
-            <p:ph sz="half" idx="12"/>
-          </p:nvPr>
-        </p:nvSpPr>
-        <p:spPr/>
-        <p:txBody>
-          <a:bodyPr/>
-          <a:lstStyle/>
-          <a:p>
-            <a:endParaRPr lang="en-US"/>
-          </a:p>
-        </p:txBody>
-      </p:sp>
-      <p:sp>
-        <p:nvSpPr>
-          <p:cNvPr id="4" name="Inhaltsplatzhalter 3"/>
-          <p:cNvSpPr>
-            <a:spLocks noGrp="1"/>
-          </p:cNvSpPr>
-          <p:nvPr>
-            <p:ph sz="half" idx="11"/>
-          </p:nvPr>
-        </p:nvSpPr>
-        <p:spPr/>
-        <p:txBody>
-          <a:bodyPr/>
-          <a:lstStyle/>
-          <a:p>
-            <a:endParaRPr lang="en-US"/>
-          </a:p>
-        </p:txBody>
-      </p:sp>
-      <p:pic>
-        <p:nvPicPr>
-          <p:cNvPr id="5" name="Grafik 4"/>
-          <p:cNvPicPr>
-            <a:picLocks noChangeAspect="1"/>
-          </p:cNvPicPr>
-          <p:nvPr/>
-        </p:nvPicPr>
-        <p:blipFill>
-          <a:blip r:embed="rId2"/>
-          <a:stretch>
-            <a:fillRect/>
-          </a:stretch>
-        </p:blipFill>
-        <p:spPr>
-          <a:xfrm>
-            <a:off x="1691680" y="865378"/>
-            <a:ext cx="6868001" cy="3954303"/>
-          </a:xfrm>
-          <a:prstGeom prst="rect">
-            <a:avLst/>
-          </a:prstGeom>
-        </p:spPr>
-      </p:pic>
-    </p:spTree>
-    <p:extLst>
-      <p:ext uri="{BB962C8B-B14F-4D97-AF65-F5344CB8AC3E}">
-        <p14:creationId xmlns:p14="http://schemas.microsoft.com/office/powerpoint/2010/main" val="1865389934"/>
-      </p:ext>
-    </p:extLst>
-  </p:cSld>
-  <p:clrMapOvr>
-    <a:masterClrMapping/>
-  </p:clrMapOvr>
-</p:sld>
-</file>
-
-<file path=ppt/slides/slide8.xml><?xml version="1.0" encoding="utf-8"?>
 <p:sld xmlns:a="http://schemas.openxmlformats.org/drawingml/2006/main" xmlns:r="http://schemas.openxmlformats.org/officeDocument/2006/relationships" xmlns:p="http://schemas.openxmlformats.org/presentationml/2006/main">
   <p:cSld>
     <p:spTree>
@@ -4724,6 +3813,1423 @@
 </p:sld>
 </file>
 
+<file path=ppt/slides/slide11.xml><?xml version="1.0" encoding="utf-8"?>
+<p:sld xmlns:a="http://schemas.openxmlformats.org/drawingml/2006/main" xmlns:r="http://schemas.openxmlformats.org/officeDocument/2006/relationships" xmlns:p="http://schemas.openxmlformats.org/presentationml/2006/main">
+  <p:cSld>
+    <p:spTree>
+      <p:nvGrpSpPr>
+        <p:cNvPr id="1" name=""/>
+        <p:cNvGrpSpPr/>
+        <p:nvPr/>
+      </p:nvGrpSpPr>
+      <p:grpSpPr>
+        <a:xfrm>
+          <a:off x="0" y="0"/>
+          <a:ext cx="0" cy="0"/>
+          <a:chOff x="0" y="0"/>
+          <a:chExt cx="0" cy="0"/>
+        </a:xfrm>
+      </p:grpSpPr>
+      <p:sp>
+        <p:nvSpPr>
+          <p:cNvPr id="2" name="Title 1">
+            <a:extLst>
+              <a:ext uri="{FF2B5EF4-FFF2-40B4-BE49-F238E27FC236}">
+                <a16:creationId xmlns:a16="http://schemas.microsoft.com/office/drawing/2014/main" id="{34F49B09-791F-4756-ACCE-F94AD34B1755}"/>
+              </a:ext>
+            </a:extLst>
+          </p:cNvPr>
+          <p:cNvSpPr>
+            <a:spLocks noGrp="1"/>
+          </p:cNvSpPr>
+          <p:nvPr>
+            <p:ph type="title"/>
+          </p:nvPr>
+        </p:nvSpPr>
+        <p:spPr/>
+        <p:txBody>
+          <a:bodyPr/>
+          <a:lstStyle/>
+          <a:p>
+            <a:r>
+              <a:rPr lang="de-DE" sz="2800" dirty="0"/>
+              <a:t>Aufgabe: </a:t>
+            </a:r>
+            <a:r>
+              <a:rPr lang="de-DE" sz="2800" dirty="0" err="1"/>
+              <a:t>MindMap</a:t>
+            </a:r>
+            <a:r>
+              <a:rPr lang="de-DE" sz="2800" dirty="0"/>
+              <a:t> über Bildung bei </a:t>
+            </a:r>
+            <a:r>
+              <a:rPr lang="de-DE" sz="2800" dirty="0" err="1"/>
+              <a:t>Dörpinghaus</a:t>
+            </a:r>
+            <a:endParaRPr lang="de-DE" sz="2800" dirty="0"/>
+          </a:p>
+        </p:txBody>
+      </p:sp>
+      <p:sp>
+        <p:nvSpPr>
+          <p:cNvPr id="3" name="Text Placeholder 2">
+            <a:extLst>
+              <a:ext uri="{FF2B5EF4-FFF2-40B4-BE49-F238E27FC236}">
+                <a16:creationId xmlns:a16="http://schemas.microsoft.com/office/drawing/2014/main" id="{0C6B0FCB-ADE8-4880-99AD-B8BEB0C39898}"/>
+              </a:ext>
+            </a:extLst>
+          </p:cNvPr>
+          <p:cNvSpPr>
+            <a:spLocks noGrp="1"/>
+          </p:cNvSpPr>
+          <p:nvPr>
+            <p:ph type="body" sz="quarter" idx="10"/>
+          </p:nvPr>
+        </p:nvSpPr>
+        <p:spPr/>
+        <p:txBody>
+          <a:bodyPr/>
+          <a:lstStyle/>
+          <a:p>
+            <a:r>
+              <a:rPr lang="de-DE" sz="1800" dirty="0"/>
+              <a:t>Bitte fertigen Sie eine </a:t>
+            </a:r>
+            <a:r>
+              <a:rPr lang="de-DE" sz="1800" dirty="0" err="1"/>
+              <a:t>MindMap</a:t>
+            </a:r>
+            <a:r>
+              <a:rPr lang="de-DE" sz="1800" dirty="0"/>
+              <a:t> über den Begriff der Bildung bei </a:t>
+            </a:r>
+            <a:r>
+              <a:rPr lang="de-DE" sz="1800" dirty="0" err="1"/>
+              <a:t>Dörpinghaus</a:t>
+            </a:r>
+            <a:r>
+              <a:rPr lang="de-DE" sz="1800" dirty="0"/>
+              <a:t> an, bezogen auf den gesamten Text. Wenn Sie den Eindruck haben, dass noch etwas zu Bildung gehört, das Sie in dem Text nicht gefunden haben, können Sie es gerne noch hinzufügen. Bitte laden Sie dann Ihre </a:t>
+            </a:r>
+            <a:r>
+              <a:rPr lang="de-DE" sz="1800" dirty="0" err="1"/>
+              <a:t>Mind</a:t>
+            </a:r>
+            <a:r>
+              <a:rPr lang="de-DE" sz="1800" dirty="0"/>
+              <a:t> </a:t>
+            </a:r>
+            <a:r>
+              <a:rPr lang="de-DE" sz="1800" dirty="0" err="1"/>
+              <a:t>Map</a:t>
+            </a:r>
+            <a:r>
+              <a:rPr lang="de-DE" sz="1800" dirty="0"/>
+              <a:t> in dem im </a:t>
+            </a:r>
+            <a:r>
+              <a:rPr lang="de-DE" sz="1800" dirty="0" err="1"/>
+              <a:t>Moodle</a:t>
+            </a:r>
+            <a:r>
+              <a:rPr lang="de-DE" sz="1800" dirty="0"/>
+              <a:t> angelegten Studierendenordner hoch. Sie können die </a:t>
+            </a:r>
+            <a:r>
+              <a:rPr lang="de-DE" sz="1800" dirty="0" err="1"/>
+              <a:t>Map</a:t>
+            </a:r>
+            <a:r>
+              <a:rPr lang="de-DE" sz="1800" dirty="0"/>
+              <a:t> mit einem Programm am Computer erstellen oder per Hand zeichnen und scannen oder fotografieren und dann hochladen. Gerne dürfen Sie dazu auch zeichnen, um die </a:t>
+            </a:r>
+            <a:r>
+              <a:rPr lang="de-DE" sz="1800" dirty="0" err="1"/>
+              <a:t>Map</a:t>
+            </a:r>
+            <a:r>
+              <a:rPr lang="de-DE" sz="1800" dirty="0"/>
+              <a:t> ansprechend zu gestalten.</a:t>
+            </a:r>
+          </a:p>
+        </p:txBody>
+      </p:sp>
+    </p:spTree>
+    <p:extLst>
+      <p:ext uri="{BB962C8B-B14F-4D97-AF65-F5344CB8AC3E}">
+        <p14:creationId xmlns:p14="http://schemas.microsoft.com/office/powerpoint/2010/main" val="377731548"/>
+      </p:ext>
+    </p:extLst>
+  </p:cSld>
+  <p:clrMapOvr>
+    <a:masterClrMapping/>
+  </p:clrMapOvr>
+</p:sld>
+</file>
+
+<file path=ppt/slides/slide12.xml><?xml version="1.0" encoding="utf-8"?>
+<p:sld xmlns:a="http://schemas.openxmlformats.org/drawingml/2006/main" xmlns:r="http://schemas.openxmlformats.org/officeDocument/2006/relationships" xmlns:p="http://schemas.openxmlformats.org/presentationml/2006/main">
+  <p:cSld>
+    <p:spTree>
+      <p:nvGrpSpPr>
+        <p:cNvPr id="1" name=""/>
+        <p:cNvGrpSpPr/>
+        <p:nvPr/>
+      </p:nvGrpSpPr>
+      <p:grpSpPr>
+        <a:xfrm>
+          <a:off x="0" y="0"/>
+          <a:ext cx="0" cy="0"/>
+          <a:chOff x="0" y="0"/>
+          <a:chExt cx="0" cy="0"/>
+        </a:xfrm>
+      </p:grpSpPr>
+      <p:sp>
+        <p:nvSpPr>
+          <p:cNvPr id="2" name="Title 1">
+            <a:extLst>
+              <a:ext uri="{FF2B5EF4-FFF2-40B4-BE49-F238E27FC236}">
+                <a16:creationId xmlns:a16="http://schemas.microsoft.com/office/drawing/2014/main" id="{0DC37077-DE75-4E1A-9675-9E8C39ED87C0}"/>
+              </a:ext>
+            </a:extLst>
+          </p:cNvPr>
+          <p:cNvSpPr>
+            <a:spLocks noGrp="1"/>
+          </p:cNvSpPr>
+          <p:nvPr>
+            <p:ph type="title"/>
+          </p:nvPr>
+        </p:nvSpPr>
+        <p:spPr/>
+        <p:txBody>
+          <a:bodyPr/>
+          <a:lstStyle/>
+          <a:p>
+            <a:r>
+              <a:rPr lang="de-DE" sz="2800" dirty="0"/>
+              <a:t>Nächste</a:t>
+            </a:r>
+            <a:r>
+              <a:rPr lang="en-US" sz="2800" dirty="0"/>
+              <a:t> </a:t>
+            </a:r>
+            <a:r>
+              <a:rPr lang="en-US" sz="2800" dirty="0" err="1"/>
+              <a:t>Woche</a:t>
+            </a:r>
+            <a:endParaRPr lang="en-US" sz="2800" dirty="0"/>
+          </a:p>
+        </p:txBody>
+      </p:sp>
+      <p:sp>
+        <p:nvSpPr>
+          <p:cNvPr id="3" name="Text Placeholder 2">
+            <a:extLst>
+              <a:ext uri="{FF2B5EF4-FFF2-40B4-BE49-F238E27FC236}">
+                <a16:creationId xmlns:a16="http://schemas.microsoft.com/office/drawing/2014/main" id="{9A8B9131-451A-4C09-ABBC-166016A890C0}"/>
+              </a:ext>
+            </a:extLst>
+          </p:cNvPr>
+          <p:cNvSpPr>
+            <a:spLocks noGrp="1"/>
+          </p:cNvSpPr>
+          <p:nvPr>
+            <p:ph type="body" sz="quarter" idx="10"/>
+          </p:nvPr>
+        </p:nvSpPr>
+        <p:spPr>
+          <a:xfrm>
+            <a:off x="322138" y="1491630"/>
+            <a:ext cx="8642350" cy="3240087"/>
+          </a:xfrm>
+        </p:spPr>
+        <p:txBody>
+          <a:bodyPr/>
+          <a:lstStyle/>
+          <a:p>
+            <a:r>
+              <a:rPr lang="de-DE" sz="1400" dirty="0"/>
+              <a:t>Aufgabe (Nachbereitung)</a:t>
+            </a:r>
+          </a:p>
+          <a:p>
+            <a:pPr lvl="1"/>
+            <a:r>
+              <a:rPr lang="de-DE" sz="1400" dirty="0"/>
+              <a:t>Gestalte ein Mindmap (Max 1 A4) und lade sie als PDF hoch </a:t>
+            </a:r>
+            <a:r>
+              <a:rPr lang="de-DE" sz="1400" dirty="0" err="1"/>
+              <a:t>ueber</a:t>
+            </a:r>
+            <a:r>
+              <a:rPr lang="de-DE" sz="1400" dirty="0"/>
+              <a:t> </a:t>
+            </a:r>
+            <a:r>
+              <a:rPr lang="de-DE" sz="1400" dirty="0" err="1"/>
+              <a:t>Moodle</a:t>
+            </a:r>
+            <a:endParaRPr lang="de-DE" sz="1400" dirty="0"/>
+          </a:p>
+          <a:p>
+            <a:pPr lvl="1"/>
+            <a:r>
+              <a:rPr lang="de-DE" sz="1400" dirty="0"/>
+              <a:t>Dritte Eintrag im Portfolio (</a:t>
+            </a:r>
+            <a:r>
+              <a:rPr lang="de-DE" sz="1400" dirty="0" err="1"/>
+              <a:t>Dörpinghaus</a:t>
+            </a:r>
+            <a:r>
+              <a:rPr lang="de-DE" sz="1400" dirty="0"/>
+              <a:t>, Teil 2)</a:t>
+            </a:r>
+          </a:p>
+          <a:p>
+            <a:endParaRPr lang="de-DE" sz="1400" dirty="0"/>
+          </a:p>
+          <a:p>
+            <a:r>
+              <a:rPr lang="de-DE" sz="1400" dirty="0"/>
+              <a:t>Vorbereitendes Material (für nächste Woche): </a:t>
+            </a:r>
+          </a:p>
+          <a:p>
+            <a:pPr lvl="1"/>
+            <a:r>
+              <a:rPr lang="de-DE" sz="1800" dirty="0"/>
+              <a:t>Offene Sitzung (kein Text und kein </a:t>
+            </a:r>
+            <a:r>
+              <a:rPr lang="de-DE" sz="1800" dirty="0" err="1"/>
+              <a:t>Praesenz</a:t>
+            </a:r>
+            <a:r>
+              <a:rPr lang="de-DE" sz="1800" dirty="0"/>
+              <a:t>(!))</a:t>
+            </a:r>
+          </a:p>
+        </p:txBody>
+      </p:sp>
+    </p:spTree>
+    <p:extLst>
+      <p:ext uri="{BB962C8B-B14F-4D97-AF65-F5344CB8AC3E}">
+        <p14:creationId xmlns:p14="http://schemas.microsoft.com/office/powerpoint/2010/main" val="2015919101"/>
+      </p:ext>
+    </p:extLst>
+  </p:cSld>
+  <p:clrMapOvr>
+    <a:masterClrMapping/>
+  </p:clrMapOvr>
+</p:sld>
+</file>
+
+<file path=ppt/slides/slide2.xml><?xml version="1.0" encoding="utf-8"?>
+<p:sld xmlns:a="http://schemas.openxmlformats.org/drawingml/2006/main" xmlns:r="http://schemas.openxmlformats.org/officeDocument/2006/relationships" xmlns:p="http://schemas.openxmlformats.org/presentationml/2006/main">
+  <p:cSld>
+    <p:spTree>
+      <p:nvGrpSpPr>
+        <p:cNvPr id="1" name=""/>
+        <p:cNvGrpSpPr/>
+        <p:nvPr/>
+      </p:nvGrpSpPr>
+      <p:grpSpPr>
+        <a:xfrm>
+          <a:off x="0" y="0"/>
+          <a:ext cx="0" cy="0"/>
+          <a:chOff x="0" y="0"/>
+          <a:chExt cx="0" cy="0"/>
+        </a:xfrm>
+      </p:grpSpPr>
+      <p:sp>
+        <p:nvSpPr>
+          <p:cNvPr id="2" name="Title 1">
+            <a:extLst>
+              <a:ext uri="{FF2B5EF4-FFF2-40B4-BE49-F238E27FC236}">
+                <a16:creationId xmlns:a16="http://schemas.microsoft.com/office/drawing/2014/main" id="{0DC37077-DE75-4E1A-9675-9E8C39ED87C0}"/>
+              </a:ext>
+            </a:extLst>
+          </p:cNvPr>
+          <p:cNvSpPr>
+            <a:spLocks noGrp="1"/>
+          </p:cNvSpPr>
+          <p:nvPr>
+            <p:ph type="title"/>
+          </p:nvPr>
+        </p:nvSpPr>
+        <p:spPr/>
+        <p:txBody>
+          <a:bodyPr/>
+          <a:lstStyle/>
+          <a:p>
+            <a:r>
+              <a:rPr lang="de-DE" sz="1800" dirty="0" smtClean="0"/>
+              <a:t>Diese</a:t>
+            </a:r>
+            <a:r>
+              <a:rPr lang="en-US" sz="1800" dirty="0" smtClean="0"/>
+              <a:t> </a:t>
+            </a:r>
+            <a:r>
+              <a:rPr lang="en-US" sz="1800" dirty="0" err="1"/>
+              <a:t>Woche</a:t>
+            </a:r>
+            <a:r>
+              <a:rPr lang="en-US" sz="1800" dirty="0"/>
+              <a:t>: </a:t>
+            </a:r>
+            <a:r>
+              <a:rPr lang="en-US" sz="1800" dirty="0" err="1"/>
+              <a:t>Doerpinghaus</a:t>
+            </a:r>
+            <a:r>
+              <a:rPr lang="en-US" sz="1800" dirty="0"/>
+              <a:t>, Teil 2</a:t>
+            </a:r>
+            <a:r>
+              <a:rPr lang="de-DE" sz="1800" dirty="0"/>
+              <a:t/>
+            </a:r>
+            <a:br>
+              <a:rPr lang="de-DE" sz="1800" dirty="0"/>
+            </a:br>
+            <a:endParaRPr lang="en-US" sz="1800" dirty="0"/>
+          </a:p>
+        </p:txBody>
+      </p:sp>
+      <p:sp>
+        <p:nvSpPr>
+          <p:cNvPr id="3" name="Text Placeholder 2">
+            <a:extLst>
+              <a:ext uri="{FF2B5EF4-FFF2-40B4-BE49-F238E27FC236}">
+                <a16:creationId xmlns:a16="http://schemas.microsoft.com/office/drawing/2014/main" id="{9A8B9131-451A-4C09-ABBC-166016A890C0}"/>
+              </a:ext>
+            </a:extLst>
+          </p:cNvPr>
+          <p:cNvSpPr>
+            <a:spLocks noGrp="1"/>
+          </p:cNvSpPr>
+          <p:nvPr>
+            <p:ph type="body" sz="quarter" idx="10"/>
+          </p:nvPr>
+        </p:nvSpPr>
+        <p:spPr/>
+        <p:txBody>
+          <a:bodyPr/>
+          <a:lstStyle/>
+          <a:p>
+            <a:r>
+              <a:rPr lang="de-DE" sz="1400" dirty="0"/>
+              <a:t>Aufgabe (Nachbereitung)</a:t>
+            </a:r>
+          </a:p>
+          <a:p>
+            <a:pPr lvl="1"/>
+            <a:r>
+              <a:rPr lang="de-DE" sz="1400" dirty="0"/>
+              <a:t>Schreibe 2 kurze Stichpunktelisten / Abschnitte  (Max 1 A4) und schreiben sie es im Forum bei </a:t>
+            </a:r>
+            <a:r>
+              <a:rPr lang="de-DE" sz="1400" dirty="0" err="1"/>
+              <a:t>Moodle</a:t>
+            </a:r>
+            <a:endParaRPr lang="de-DE" sz="1400" dirty="0"/>
+          </a:p>
+          <a:p>
+            <a:pPr lvl="2"/>
+            <a:r>
+              <a:rPr lang="de-DE" sz="1000" dirty="0"/>
+              <a:t>Wie müsste eine Uni beschaffen sein, in der man frei wird? </a:t>
+            </a:r>
+          </a:p>
+          <a:p>
+            <a:pPr lvl="2"/>
+            <a:r>
+              <a:rPr lang="de-DE" sz="1000" dirty="0"/>
+              <a:t>Welche Bedingungen wären dazu notwendig? </a:t>
+            </a:r>
+          </a:p>
+          <a:p>
+            <a:pPr lvl="1"/>
+            <a:r>
+              <a:rPr lang="de-DE" sz="1400" dirty="0"/>
+              <a:t>Zweite Eintrag im Portfolio (</a:t>
+            </a:r>
+            <a:r>
+              <a:rPr lang="de-DE" sz="1400" dirty="0" err="1"/>
+              <a:t>Dörpinghaus</a:t>
+            </a:r>
+            <a:r>
+              <a:rPr lang="de-DE" sz="1400" dirty="0"/>
+              <a:t>, Teil 1)</a:t>
+            </a:r>
+          </a:p>
+          <a:p>
+            <a:endParaRPr lang="de-DE" sz="1400" dirty="0"/>
+          </a:p>
+          <a:p>
+            <a:r>
+              <a:rPr lang="de-DE" sz="1400" dirty="0"/>
+              <a:t>Vorbereitendes Material (für </a:t>
+            </a:r>
+            <a:r>
+              <a:rPr lang="de-DE" sz="1400" dirty="0" smtClean="0"/>
+              <a:t>diese Woche</a:t>
+            </a:r>
+            <a:r>
+              <a:rPr lang="de-DE" sz="1400" dirty="0"/>
+              <a:t>): </a:t>
+            </a:r>
+          </a:p>
+          <a:p>
+            <a:pPr lvl="1"/>
+            <a:r>
+              <a:rPr lang="de-DE" sz="1400" dirty="0" err="1"/>
+              <a:t>Dörpinghaus</a:t>
+            </a:r>
+            <a:r>
+              <a:rPr lang="de-DE" sz="1400" dirty="0"/>
+              <a:t>, Teil 2</a:t>
+            </a:r>
+          </a:p>
+          <a:p>
+            <a:pPr lvl="1"/>
+            <a:r>
+              <a:rPr lang="de-DE" sz="1400" dirty="0" err="1"/>
+              <a:t>Platon’s</a:t>
+            </a:r>
+            <a:r>
+              <a:rPr lang="de-DE" sz="1400" dirty="0"/>
+              <a:t> </a:t>
+            </a:r>
+            <a:r>
+              <a:rPr lang="de-DE" sz="1400" dirty="0" err="1"/>
+              <a:t>Hoehle</a:t>
+            </a:r>
+            <a:endParaRPr lang="de-DE" sz="1400" dirty="0"/>
+          </a:p>
+          <a:p>
+            <a:pPr lvl="1"/>
+            <a:r>
+              <a:rPr lang="de-DE" sz="1400" dirty="0"/>
+              <a:t>Interpretationshinweise </a:t>
+            </a:r>
+          </a:p>
+        </p:txBody>
+      </p:sp>
+    </p:spTree>
+    <p:extLst>
+      <p:ext uri="{BB962C8B-B14F-4D97-AF65-F5344CB8AC3E}">
+        <p14:creationId xmlns:p14="http://schemas.microsoft.com/office/powerpoint/2010/main" val="1965710157"/>
+      </p:ext>
+    </p:extLst>
+  </p:cSld>
+  <p:clrMapOvr>
+    <a:masterClrMapping/>
+  </p:clrMapOvr>
+</p:sld>
+</file>
+
+<file path=ppt/slides/slide3.xml><?xml version="1.0" encoding="utf-8"?>
+<p:sld xmlns:a="http://schemas.openxmlformats.org/drawingml/2006/main" xmlns:r="http://schemas.openxmlformats.org/officeDocument/2006/relationships" xmlns:p="http://schemas.openxmlformats.org/presentationml/2006/main">
+  <p:cSld>
+    <p:spTree>
+      <p:nvGrpSpPr>
+        <p:cNvPr id="1" name=""/>
+        <p:cNvGrpSpPr/>
+        <p:nvPr/>
+      </p:nvGrpSpPr>
+      <p:grpSpPr>
+        <a:xfrm>
+          <a:off x="0" y="0"/>
+          <a:ext cx="0" cy="0"/>
+          <a:chOff x="0" y="0"/>
+          <a:chExt cx="0" cy="0"/>
+        </a:xfrm>
+      </p:grpSpPr>
+      <p:sp>
+        <p:nvSpPr>
+          <p:cNvPr id="2" name="Title 1">
+            <a:extLst>
+              <a:ext uri="{FF2B5EF4-FFF2-40B4-BE49-F238E27FC236}">
+                <a16:creationId xmlns:a16="http://schemas.microsoft.com/office/drawing/2014/main" id="{D3EF5A85-857F-4958-A733-2E1F1E3EB717}"/>
+              </a:ext>
+            </a:extLst>
+          </p:cNvPr>
+          <p:cNvSpPr>
+            <a:spLocks noGrp="1"/>
+          </p:cNvSpPr>
+          <p:nvPr>
+            <p:ph type="title"/>
+          </p:nvPr>
+        </p:nvSpPr>
+        <p:spPr/>
+        <p:txBody>
+          <a:bodyPr/>
+          <a:lstStyle/>
+          <a:p>
+            <a:r>
+              <a:rPr lang="de-DE" dirty="0"/>
+              <a:t>Bildung nach Humboldt</a:t>
+            </a:r>
+          </a:p>
+        </p:txBody>
+      </p:sp>
+      <p:sp>
+        <p:nvSpPr>
+          <p:cNvPr id="3" name="Text Placeholder 2">
+            <a:extLst>
+              <a:ext uri="{FF2B5EF4-FFF2-40B4-BE49-F238E27FC236}">
+                <a16:creationId xmlns:a16="http://schemas.microsoft.com/office/drawing/2014/main" id="{752071FC-A0F8-423F-AFAE-76A9256AF462}"/>
+              </a:ext>
+            </a:extLst>
+          </p:cNvPr>
+          <p:cNvSpPr>
+            <a:spLocks noGrp="1"/>
+          </p:cNvSpPr>
+          <p:nvPr>
+            <p:ph type="body" sz="quarter" idx="10"/>
+          </p:nvPr>
+        </p:nvSpPr>
+        <p:spPr/>
+        <p:txBody>
+          <a:bodyPr/>
+          <a:lstStyle/>
+          <a:p>
+            <a:r>
+              <a:rPr lang="de-DE" sz="1400" dirty="0"/>
+              <a:t>Bildung ist nicht auf bestimmte Fächer beschränkt, sondern </a:t>
+            </a:r>
+            <a:r>
+              <a:rPr lang="de-DE" sz="1400" b="1" dirty="0"/>
+              <a:t>allgemein</a:t>
+            </a:r>
+            <a:r>
+              <a:rPr lang="de-DE" sz="1400" dirty="0"/>
+              <a:t>, umfassend.</a:t>
+            </a:r>
+          </a:p>
+          <a:p>
+            <a:r>
+              <a:rPr lang="de-DE" sz="1400" dirty="0"/>
+              <a:t>Bildung hat keinen äußeren Zweck, sondern dient der Entwicklung dessen, was in einem Menschen steckt, </a:t>
+            </a:r>
+            <a:r>
+              <a:rPr lang="de-DE" sz="1400" b="1" dirty="0"/>
+              <a:t>seinen</a:t>
+            </a:r>
+            <a:r>
+              <a:rPr lang="de-DE" sz="1400" dirty="0"/>
+              <a:t> </a:t>
+            </a:r>
+            <a:r>
+              <a:rPr lang="de-DE" sz="1400" b="1" dirty="0"/>
+              <a:t>Kräften</a:t>
+            </a:r>
+            <a:r>
+              <a:rPr lang="de-DE" sz="1400" dirty="0"/>
+              <a:t>.</a:t>
+            </a:r>
+          </a:p>
+          <a:p>
+            <a:r>
+              <a:rPr lang="de-DE" sz="1400" dirty="0"/>
+              <a:t>Nach Humboldt geht es in der Bildung darum, die eigenen Kräfte auszubilden, und zwar so </a:t>
+            </a:r>
+            <a:r>
+              <a:rPr lang="de-DE" sz="1400" b="1" dirty="0"/>
+              <a:t>ausgewogen</a:t>
+            </a:r>
+            <a:r>
+              <a:rPr lang="de-DE" sz="1400" dirty="0"/>
+              <a:t> wie möglich, das heißt, die geistigen Kräfte, die emotionalen und die kognitiven.</a:t>
+            </a:r>
+          </a:p>
+          <a:p>
+            <a:r>
+              <a:rPr lang="de-DE" sz="1400" b="1" dirty="0"/>
+              <a:t>Sprache</a:t>
+            </a:r>
+            <a:r>
+              <a:rPr lang="de-DE" sz="1400" dirty="0"/>
+              <a:t> ist für Humboldt ein wichtiges Medium für Bildung, weil sie zwischen Welt und Ich vermittelt.</a:t>
+            </a:r>
+          </a:p>
+          <a:p>
+            <a:r>
+              <a:rPr lang="de-DE" sz="1400" dirty="0"/>
+              <a:t>Bildung ist ein lebenslanger Prozess, prinzipiell </a:t>
+            </a:r>
+            <a:r>
+              <a:rPr lang="de-DE" sz="1400" b="1" dirty="0"/>
+              <a:t>unabhängig von schulischen Laufbahnen</a:t>
+            </a:r>
+            <a:r>
+              <a:rPr lang="de-DE" sz="1400" dirty="0"/>
+              <a:t>.</a:t>
+            </a:r>
+          </a:p>
+          <a:p>
+            <a:r>
+              <a:rPr lang="de-DE" sz="1400" dirty="0"/>
+              <a:t>Ziele der Bildung sind ein freies Denken, Autonomie und Mündigkeit. Damit ist auch gewährleistet, dass der gebildete Mensch ein </a:t>
+            </a:r>
+            <a:r>
+              <a:rPr lang="de-DE" sz="1400" b="1" dirty="0"/>
+              <a:t>moralisch</a:t>
+            </a:r>
+            <a:r>
+              <a:rPr lang="de-DE" sz="1400" dirty="0"/>
+              <a:t> guter Mensch ist.</a:t>
+            </a:r>
+          </a:p>
+          <a:p>
+            <a:r>
+              <a:rPr lang="de-DE" sz="1400" dirty="0"/>
+              <a:t>Schließlich ist Bildung nach Humboldt nicht passiv, sondern </a:t>
+            </a:r>
+            <a:r>
+              <a:rPr lang="de-DE" sz="1400" b="1" dirty="0"/>
+              <a:t>aktiv</a:t>
+            </a:r>
+            <a:r>
+              <a:rPr lang="de-DE" sz="1400" dirty="0"/>
+              <a:t>. Ich kann nicht gebildet werden, sondern mich nur selbst bilden.</a:t>
+            </a:r>
+          </a:p>
+        </p:txBody>
+      </p:sp>
+    </p:spTree>
+    <p:extLst>
+      <p:ext uri="{BB962C8B-B14F-4D97-AF65-F5344CB8AC3E}">
+        <p14:creationId xmlns:p14="http://schemas.microsoft.com/office/powerpoint/2010/main" val="3145390003"/>
+      </p:ext>
+    </p:extLst>
+  </p:cSld>
+  <p:clrMapOvr>
+    <a:masterClrMapping/>
+  </p:clrMapOvr>
+</p:sld>
+</file>
+
+<file path=ppt/slides/slide4.xml><?xml version="1.0" encoding="utf-8"?>
+<p:sld xmlns:a="http://schemas.openxmlformats.org/drawingml/2006/main" xmlns:r="http://schemas.openxmlformats.org/officeDocument/2006/relationships" xmlns:p="http://schemas.openxmlformats.org/presentationml/2006/main">
+  <p:cSld>
+    <p:spTree>
+      <p:nvGrpSpPr>
+        <p:cNvPr id="1" name=""/>
+        <p:cNvGrpSpPr/>
+        <p:nvPr/>
+      </p:nvGrpSpPr>
+      <p:grpSpPr>
+        <a:xfrm>
+          <a:off x="0" y="0"/>
+          <a:ext cx="0" cy="0"/>
+          <a:chOff x="0" y="0"/>
+          <a:chExt cx="0" cy="0"/>
+        </a:xfrm>
+      </p:grpSpPr>
+      <p:sp>
+        <p:nvSpPr>
+          <p:cNvPr id="2" name="Title 1">
+            <a:extLst>
+              <a:ext uri="{FF2B5EF4-FFF2-40B4-BE49-F238E27FC236}">
+                <a16:creationId xmlns:a16="http://schemas.microsoft.com/office/drawing/2014/main" id="{FB929CFC-1D80-412D-BAA0-75BBE10082C4}"/>
+              </a:ext>
+            </a:extLst>
+          </p:cNvPr>
+          <p:cNvSpPr>
+            <a:spLocks noGrp="1"/>
+          </p:cNvSpPr>
+          <p:nvPr>
+            <p:ph type="title"/>
+          </p:nvPr>
+        </p:nvSpPr>
+        <p:spPr/>
+        <p:txBody>
+          <a:bodyPr/>
+          <a:lstStyle/>
+          <a:p>
+            <a:r>
+              <a:rPr lang="de-DE" sz="3200" dirty="0"/>
+              <a:t>Universität nach Humboldt </a:t>
+            </a:r>
+            <a:endParaRPr lang="de-DE" dirty="0"/>
+          </a:p>
+        </p:txBody>
+      </p:sp>
+      <p:sp>
+        <p:nvSpPr>
+          <p:cNvPr id="3" name="Text Placeholder 2">
+            <a:extLst>
+              <a:ext uri="{FF2B5EF4-FFF2-40B4-BE49-F238E27FC236}">
+                <a16:creationId xmlns:a16="http://schemas.microsoft.com/office/drawing/2014/main" id="{EF50E78B-3DE9-4A46-A866-5A2FB55A85C8}"/>
+              </a:ext>
+            </a:extLst>
+          </p:cNvPr>
+          <p:cNvSpPr>
+            <a:spLocks noGrp="1"/>
+          </p:cNvSpPr>
+          <p:nvPr>
+            <p:ph type="body" sz="quarter" idx="10"/>
+          </p:nvPr>
+        </p:nvSpPr>
+        <p:spPr/>
+        <p:txBody>
+          <a:bodyPr/>
+          <a:lstStyle/>
+          <a:p>
+            <a:r>
+              <a:rPr lang="de-DE" sz="1600" dirty="0"/>
+              <a:t>Ziel der Universität ist es, dass sie den Studierenden (und den Dozierenden) </a:t>
+            </a:r>
+            <a:r>
+              <a:rPr lang="de-DE" sz="1600" b="1" dirty="0"/>
+              <a:t>ermöglicht</a:t>
+            </a:r>
+            <a:r>
+              <a:rPr lang="de-DE" sz="1600" dirty="0"/>
+              <a:t>, sich zu bilden.</a:t>
+            </a:r>
+          </a:p>
+          <a:p>
+            <a:r>
+              <a:rPr lang="de-DE" sz="1600" dirty="0"/>
+              <a:t>Deshalb sollte auch </a:t>
+            </a:r>
+            <a:r>
+              <a:rPr lang="de-DE" sz="1600" b="1" dirty="0"/>
+              <a:t>kritisches</a:t>
+            </a:r>
+            <a:r>
+              <a:rPr lang="de-DE" sz="1600" dirty="0"/>
+              <a:t> </a:t>
+            </a:r>
+            <a:r>
+              <a:rPr lang="de-DE" sz="1600" b="1" dirty="0"/>
+              <a:t>Denken</a:t>
+            </a:r>
+            <a:r>
+              <a:rPr lang="de-DE" sz="1600" dirty="0"/>
+              <a:t> an der Universität seinen Platz finden; Universität wäre dann unter anderem ein Ort der Diskussion.</a:t>
+            </a:r>
+          </a:p>
+          <a:p>
+            <a:r>
+              <a:rPr lang="de-DE" sz="1600" dirty="0"/>
+              <a:t>Universität sollte demnach </a:t>
+            </a:r>
+            <a:r>
+              <a:rPr lang="de-DE" sz="1600" b="1" dirty="0"/>
+              <a:t>nicht an berufliche Abschlüsse </a:t>
+            </a:r>
+            <a:r>
+              <a:rPr lang="de-DE" sz="1600" dirty="0"/>
+              <a:t>gebunden sein.</a:t>
+            </a:r>
+          </a:p>
+          <a:p>
+            <a:r>
+              <a:rPr lang="de-DE" sz="1600" dirty="0"/>
+              <a:t>Im Gegenteil: Sie sollte gänzlich </a:t>
+            </a:r>
+            <a:r>
+              <a:rPr lang="de-DE" sz="1600" b="1" dirty="0"/>
+              <a:t>frei</a:t>
+            </a:r>
+            <a:r>
+              <a:rPr lang="de-DE" sz="1600" dirty="0"/>
+              <a:t> sein; es gibt also keine festen Studiengänge und keine Prüfungen, keine Stundenpläne, keine Regelstudienzeit, keine Noten, keine Pflichtveranstaltungen und keine modularen Vorgaben. Sie ist für alle frei zugänglich und ermöglicht es den Studierenden, den Dingen auf den Grund zu gehen.</a:t>
+            </a:r>
+          </a:p>
+          <a:p>
+            <a:r>
+              <a:rPr lang="de-DE" sz="1600" dirty="0"/>
+              <a:t>Studierende und Professor*innen </a:t>
+            </a:r>
+            <a:r>
+              <a:rPr lang="de-DE" sz="1600" b="1" dirty="0"/>
+              <a:t>forschen</a:t>
+            </a:r>
+            <a:r>
+              <a:rPr lang="de-DE" sz="1600" dirty="0"/>
+              <a:t> </a:t>
+            </a:r>
+            <a:r>
+              <a:rPr lang="de-DE" sz="1600" b="1" dirty="0"/>
+              <a:t>gemeinsam</a:t>
+            </a:r>
+            <a:r>
+              <a:rPr lang="de-DE" sz="1600" dirty="0"/>
+              <a:t> an den Dingen, die sie interessieren, auch in der Kombination verschiedener Fachrichtungen.</a:t>
+            </a:r>
+          </a:p>
+        </p:txBody>
+      </p:sp>
+    </p:spTree>
+    <p:extLst>
+      <p:ext uri="{BB962C8B-B14F-4D97-AF65-F5344CB8AC3E}">
+        <p14:creationId xmlns:p14="http://schemas.microsoft.com/office/powerpoint/2010/main" val="2224340887"/>
+      </p:ext>
+    </p:extLst>
+  </p:cSld>
+  <p:clrMapOvr>
+    <a:masterClrMapping/>
+  </p:clrMapOvr>
+</p:sld>
+</file>
+
+<file path=ppt/slides/slide5.xml><?xml version="1.0" encoding="utf-8"?>
+<p:sld xmlns:a="http://schemas.openxmlformats.org/drawingml/2006/main" xmlns:r="http://schemas.openxmlformats.org/officeDocument/2006/relationships" xmlns:p="http://schemas.openxmlformats.org/presentationml/2006/main">
+  <p:cSld>
+    <p:spTree>
+      <p:nvGrpSpPr>
+        <p:cNvPr id="1" name=""/>
+        <p:cNvGrpSpPr/>
+        <p:nvPr/>
+      </p:nvGrpSpPr>
+      <p:grpSpPr>
+        <a:xfrm>
+          <a:off x="0" y="0"/>
+          <a:ext cx="0" cy="0"/>
+          <a:chOff x="0" y="0"/>
+          <a:chExt cx="0" cy="0"/>
+        </a:xfrm>
+      </p:grpSpPr>
+      <p:sp>
+        <p:nvSpPr>
+          <p:cNvPr id="2" name="Title 1">
+            <a:extLst>
+              <a:ext uri="{FF2B5EF4-FFF2-40B4-BE49-F238E27FC236}">
+                <a16:creationId xmlns:a16="http://schemas.microsoft.com/office/drawing/2014/main" id="{726CFC8C-1318-4C6A-8121-B0E490967570}"/>
+              </a:ext>
+            </a:extLst>
+          </p:cNvPr>
+          <p:cNvSpPr>
+            <a:spLocks noGrp="1"/>
+          </p:cNvSpPr>
+          <p:nvPr>
+            <p:ph type="title"/>
+          </p:nvPr>
+        </p:nvSpPr>
+        <p:spPr/>
+        <p:txBody>
+          <a:bodyPr/>
+          <a:lstStyle/>
+          <a:p>
+            <a:r>
+              <a:rPr lang="de-DE" dirty="0"/>
+              <a:t>4 </a:t>
+            </a:r>
+            <a:r>
+              <a:rPr lang="de-DE" dirty="0" err="1"/>
+              <a:t>Sichfremdwerden</a:t>
+            </a:r>
+            <a:endParaRPr lang="de-DE" dirty="0"/>
+          </a:p>
+        </p:txBody>
+      </p:sp>
+      <p:sp>
+        <p:nvSpPr>
+          <p:cNvPr id="3" name="Text Placeholder 2">
+            <a:extLst>
+              <a:ext uri="{FF2B5EF4-FFF2-40B4-BE49-F238E27FC236}">
+                <a16:creationId xmlns:a16="http://schemas.microsoft.com/office/drawing/2014/main" id="{1D15CE9D-53EF-4ED0-817A-A92398460154}"/>
+              </a:ext>
+            </a:extLst>
+          </p:cNvPr>
+          <p:cNvSpPr>
+            <a:spLocks noGrp="1"/>
+          </p:cNvSpPr>
+          <p:nvPr>
+            <p:ph type="body" sz="quarter" idx="10"/>
+          </p:nvPr>
+        </p:nvSpPr>
+        <p:spPr/>
+        <p:txBody>
+          <a:bodyPr/>
+          <a:lstStyle/>
+          <a:p>
+            <a:r>
+              <a:rPr lang="de-DE" dirty="0"/>
+              <a:t>Transformation des Selbst (wie das Höhlengleichnis)</a:t>
+            </a:r>
+          </a:p>
+          <a:p>
+            <a:r>
+              <a:rPr lang="de-DE" dirty="0"/>
+              <a:t>Zwischenraum von Eigenem und Fremdem</a:t>
+            </a:r>
+          </a:p>
+          <a:p>
+            <a:r>
+              <a:rPr lang="de-DE" dirty="0"/>
+              <a:t>Humboldt: „Wechselwirkung zwischen Ich und Welt“</a:t>
+            </a:r>
+          </a:p>
+          <a:p>
+            <a:r>
+              <a:rPr lang="de-DE" dirty="0"/>
+              <a:t>ein hypothetisches Leben (Robert Musil, 1880-1942, Schriftsteller) auf schwankendem Untergrund</a:t>
+            </a:r>
+          </a:p>
+          <a:p>
+            <a:pPr lvl="1"/>
+            <a:r>
+              <a:rPr lang="de-DE" sz="1600" dirty="0"/>
+              <a:t>Gegenwart sei "nichts als eine Hypothese, über die man noch nicht hinausgekommen ist"</a:t>
+            </a:r>
+            <a:endParaRPr lang="de-DE" dirty="0"/>
+          </a:p>
+        </p:txBody>
+      </p:sp>
+    </p:spTree>
+    <p:extLst>
+      <p:ext uri="{BB962C8B-B14F-4D97-AF65-F5344CB8AC3E}">
+        <p14:creationId xmlns:p14="http://schemas.microsoft.com/office/powerpoint/2010/main" val="3181984991"/>
+      </p:ext>
+    </p:extLst>
+  </p:cSld>
+  <p:clrMapOvr>
+    <a:masterClrMapping/>
+  </p:clrMapOvr>
+</p:sld>
+</file>
+
+<file path=ppt/slides/slide6.xml><?xml version="1.0" encoding="utf-8"?>
+<p:sld xmlns:a="http://schemas.openxmlformats.org/drawingml/2006/main" xmlns:r="http://schemas.openxmlformats.org/officeDocument/2006/relationships" xmlns:p="http://schemas.openxmlformats.org/presentationml/2006/main">
+  <p:cSld>
+    <p:spTree>
+      <p:nvGrpSpPr>
+        <p:cNvPr id="1" name=""/>
+        <p:cNvGrpSpPr/>
+        <p:nvPr/>
+      </p:nvGrpSpPr>
+      <p:grpSpPr>
+        <a:xfrm>
+          <a:off x="0" y="0"/>
+          <a:ext cx="0" cy="0"/>
+          <a:chOff x="0" y="0"/>
+          <a:chExt cx="0" cy="0"/>
+        </a:xfrm>
+      </p:grpSpPr>
+      <p:sp>
+        <p:nvSpPr>
+          <p:cNvPr id="2" name="Title 1"/>
+          <p:cNvSpPr>
+            <a:spLocks noGrp="1"/>
+          </p:cNvSpPr>
+          <p:nvPr>
+            <p:ph type="title"/>
+          </p:nvPr>
+        </p:nvSpPr>
+        <p:spPr/>
+        <p:txBody>
+          <a:bodyPr/>
+          <a:lstStyle/>
+          <a:p>
+            <a:r>
+              <a:rPr lang="en-US" dirty="0" smtClean="0"/>
+              <a:t>Plato’s Allegory of the Cave</a:t>
+            </a:r>
+            <a:endParaRPr lang="en-US" dirty="0"/>
+          </a:p>
+        </p:txBody>
+      </p:sp>
+      <p:sp>
+        <p:nvSpPr>
+          <p:cNvPr id="3" name="Text Placeholder 2"/>
+          <p:cNvSpPr>
+            <a:spLocks noGrp="1"/>
+          </p:cNvSpPr>
+          <p:nvPr>
+            <p:ph type="body" sz="quarter" idx="10"/>
+          </p:nvPr>
+        </p:nvSpPr>
+        <p:spPr/>
+        <p:txBody>
+          <a:bodyPr/>
+          <a:lstStyle/>
+          <a:p>
+            <a:r>
+              <a:rPr lang="en-US" sz="1600" dirty="0" smtClean="0"/>
+              <a:t>Breaking free is disorienting</a:t>
+            </a:r>
+          </a:p>
+          <a:p>
+            <a:r>
+              <a:rPr lang="en-US" sz="1600" dirty="0" smtClean="0"/>
+              <a:t>Beliefs: shadows are mere reflections?</a:t>
+            </a:r>
+          </a:p>
+          <a:p>
+            <a:r>
+              <a:rPr lang="en-US" sz="1600" dirty="0" smtClean="0"/>
+              <a:t>Share discovery, violent resistance of any attempts to freedom</a:t>
+            </a:r>
+          </a:p>
+          <a:p>
+            <a:r>
+              <a:rPr lang="en-US" sz="1600" dirty="0" smtClean="0"/>
+              <a:t>Analogy of what it is like to educate public</a:t>
+            </a:r>
+          </a:p>
+          <a:p>
+            <a:r>
+              <a:rPr lang="en-US" sz="1600" dirty="0" smtClean="0"/>
+              <a:t>Comfort in ignorance, </a:t>
+            </a:r>
+            <a:r>
+              <a:rPr lang="en-US" sz="1600" dirty="0" err="1" smtClean="0"/>
+              <a:t>zB</a:t>
+            </a:r>
+            <a:r>
+              <a:rPr lang="en-US" sz="1600" dirty="0" smtClean="0"/>
+              <a:t> Socrates sentenced to death</a:t>
+            </a:r>
+          </a:p>
+          <a:p>
+            <a:r>
+              <a:rPr lang="en-US" sz="1600" dirty="0" smtClean="0"/>
+              <a:t>Physical world is flawed reflection of ideal world: Origin of knowledge? Nature of reality?</a:t>
+            </a:r>
+          </a:p>
+          <a:p>
+            <a:r>
+              <a:rPr lang="en-US" sz="1600" dirty="0" smtClean="0"/>
+              <a:t>Can we be confident of what we think we know? Will you break free? Truth or habit? </a:t>
+            </a:r>
+          </a:p>
+        </p:txBody>
+      </p:sp>
+    </p:spTree>
+    <p:extLst>
+      <p:ext uri="{BB962C8B-B14F-4D97-AF65-F5344CB8AC3E}">
+        <p14:creationId xmlns:p14="http://schemas.microsoft.com/office/powerpoint/2010/main" val="1620635206"/>
+      </p:ext>
+    </p:extLst>
+  </p:cSld>
+  <p:clrMapOvr>
+    <a:masterClrMapping/>
+  </p:clrMapOvr>
+</p:sld>
+</file>
+
+<file path=ppt/slides/slide7.xml><?xml version="1.0" encoding="utf-8"?>
+<p:sld xmlns:a="http://schemas.openxmlformats.org/drawingml/2006/main" xmlns:r="http://schemas.openxmlformats.org/officeDocument/2006/relationships" xmlns:p="http://schemas.openxmlformats.org/presentationml/2006/main">
+  <p:cSld>
+    <p:spTree>
+      <p:nvGrpSpPr>
+        <p:cNvPr id="1" name=""/>
+        <p:cNvGrpSpPr/>
+        <p:nvPr/>
+      </p:nvGrpSpPr>
+      <p:grpSpPr>
+        <a:xfrm>
+          <a:off x="0" y="0"/>
+          <a:ext cx="0" cy="0"/>
+          <a:chOff x="0" y="0"/>
+          <a:chExt cx="0" cy="0"/>
+        </a:xfrm>
+      </p:grpSpPr>
+      <p:sp>
+        <p:nvSpPr>
+          <p:cNvPr id="2" name="Title 1">
+            <a:extLst>
+              <a:ext uri="{FF2B5EF4-FFF2-40B4-BE49-F238E27FC236}">
+                <a16:creationId xmlns:a16="http://schemas.microsoft.com/office/drawing/2014/main" id="{726CFC8C-1318-4C6A-8121-B0E490967570}"/>
+              </a:ext>
+            </a:extLst>
+          </p:cNvPr>
+          <p:cNvSpPr>
+            <a:spLocks noGrp="1"/>
+          </p:cNvSpPr>
+          <p:nvPr>
+            <p:ph type="title"/>
+          </p:nvPr>
+        </p:nvSpPr>
+        <p:spPr/>
+        <p:txBody>
+          <a:bodyPr/>
+          <a:lstStyle/>
+          <a:p>
+            <a:r>
+              <a:rPr lang="de-DE" dirty="0"/>
+              <a:t>4 </a:t>
+            </a:r>
+            <a:r>
+              <a:rPr lang="de-DE" dirty="0" err="1"/>
+              <a:t>Wartenkönnen</a:t>
+            </a:r>
+            <a:r>
+              <a:rPr lang="de-DE" dirty="0"/>
+              <a:t> und Verzögerung</a:t>
+            </a:r>
+          </a:p>
+        </p:txBody>
+      </p:sp>
+      <p:sp>
+        <p:nvSpPr>
+          <p:cNvPr id="3" name="Text Placeholder 2">
+            <a:extLst>
+              <a:ext uri="{FF2B5EF4-FFF2-40B4-BE49-F238E27FC236}">
+                <a16:creationId xmlns:a16="http://schemas.microsoft.com/office/drawing/2014/main" id="{1D15CE9D-53EF-4ED0-817A-A92398460154}"/>
+              </a:ext>
+            </a:extLst>
+          </p:cNvPr>
+          <p:cNvSpPr>
+            <a:spLocks noGrp="1"/>
+          </p:cNvSpPr>
+          <p:nvPr>
+            <p:ph type="body" sz="quarter" idx="10"/>
+          </p:nvPr>
+        </p:nvSpPr>
+        <p:spPr/>
+        <p:txBody>
+          <a:bodyPr/>
+          <a:lstStyle/>
+          <a:p>
+            <a:r>
+              <a:rPr lang="de-DE" dirty="0"/>
+              <a:t>nicht reagieren, sondern antworten</a:t>
+            </a:r>
+          </a:p>
+          <a:p>
+            <a:r>
+              <a:rPr lang="de-DE" dirty="0"/>
+              <a:t>hin zur Frage nach Sinn und Bedeutung</a:t>
+            </a:r>
+          </a:p>
+          <a:p>
+            <a:r>
+              <a:rPr lang="de-DE" dirty="0"/>
+              <a:t>Warten, </a:t>
+            </a:r>
+            <a:r>
+              <a:rPr lang="de-DE" dirty="0" err="1"/>
+              <a:t>videre</a:t>
+            </a:r>
+            <a:r>
+              <a:rPr lang="de-DE" dirty="0"/>
+              <a:t>, schauen (Adorno)</a:t>
+            </a:r>
+          </a:p>
+          <a:p>
+            <a:r>
+              <a:rPr lang="de-DE" dirty="0" smtClean="0"/>
+              <a:t>‚Verarbeitung‘ </a:t>
+            </a:r>
+            <a:r>
+              <a:rPr lang="de-DE" dirty="0"/>
+              <a:t>lasse dem Gegenstand keinerlei Zeit (Horkheimer)</a:t>
+            </a:r>
+          </a:p>
+          <a:p>
+            <a:r>
+              <a:rPr lang="de-DE" dirty="0"/>
+              <a:t>Zeitdispositiv / Trivialformel / Zeitdisziplinaranstalten</a:t>
+            </a:r>
+          </a:p>
+          <a:p>
+            <a:endParaRPr lang="de-DE" dirty="0"/>
+          </a:p>
+        </p:txBody>
+      </p:sp>
+    </p:spTree>
+    <p:extLst>
+      <p:ext uri="{BB962C8B-B14F-4D97-AF65-F5344CB8AC3E}">
+        <p14:creationId xmlns:p14="http://schemas.microsoft.com/office/powerpoint/2010/main" val="1860022223"/>
+      </p:ext>
+    </p:extLst>
+  </p:cSld>
+  <p:clrMapOvr>
+    <a:masterClrMapping/>
+  </p:clrMapOvr>
+</p:sld>
+</file>
+
+<file path=ppt/slides/slide8.xml><?xml version="1.0" encoding="utf-8"?>
+<p:sld xmlns:a="http://schemas.openxmlformats.org/drawingml/2006/main" xmlns:r="http://schemas.openxmlformats.org/officeDocument/2006/relationships" xmlns:p="http://schemas.openxmlformats.org/presentationml/2006/main">
+  <p:cSld>
+    <p:spTree>
+      <p:nvGrpSpPr>
+        <p:cNvPr id="1" name=""/>
+        <p:cNvGrpSpPr/>
+        <p:nvPr/>
+      </p:nvGrpSpPr>
+      <p:grpSpPr>
+        <a:xfrm>
+          <a:off x="0" y="0"/>
+          <a:ext cx="0" cy="0"/>
+          <a:chOff x="0" y="0"/>
+          <a:chExt cx="0" cy="0"/>
+        </a:xfrm>
+      </p:grpSpPr>
+      <p:sp>
+        <p:nvSpPr>
+          <p:cNvPr id="2" name="Title 1">
+            <a:extLst>
+              <a:ext uri="{FF2B5EF4-FFF2-40B4-BE49-F238E27FC236}">
+                <a16:creationId xmlns:a16="http://schemas.microsoft.com/office/drawing/2014/main" id="{726CFC8C-1318-4C6A-8121-B0E490967570}"/>
+              </a:ext>
+            </a:extLst>
+          </p:cNvPr>
+          <p:cNvSpPr>
+            <a:spLocks noGrp="1"/>
+          </p:cNvSpPr>
+          <p:nvPr>
+            <p:ph type="title"/>
+          </p:nvPr>
+        </p:nvSpPr>
+        <p:spPr/>
+        <p:txBody>
+          <a:bodyPr/>
+          <a:lstStyle/>
+          <a:p>
+            <a:r>
+              <a:rPr lang="de-DE" dirty="0"/>
+              <a:t>4 kulturelles Gedächtnis</a:t>
+            </a:r>
+          </a:p>
+        </p:txBody>
+      </p:sp>
+      <p:sp>
+        <p:nvSpPr>
+          <p:cNvPr id="3" name="Text Placeholder 2">
+            <a:extLst>
+              <a:ext uri="{FF2B5EF4-FFF2-40B4-BE49-F238E27FC236}">
+                <a16:creationId xmlns:a16="http://schemas.microsoft.com/office/drawing/2014/main" id="{1D15CE9D-53EF-4ED0-817A-A92398460154}"/>
+              </a:ext>
+            </a:extLst>
+          </p:cNvPr>
+          <p:cNvSpPr>
+            <a:spLocks noGrp="1"/>
+          </p:cNvSpPr>
+          <p:nvPr>
+            <p:ph type="body" sz="quarter" idx="10"/>
+          </p:nvPr>
+        </p:nvSpPr>
+        <p:spPr>
+          <a:xfrm>
+            <a:off x="250825" y="1491630"/>
+            <a:ext cx="8642350" cy="3240087"/>
+          </a:xfrm>
+        </p:spPr>
+        <p:txBody>
+          <a:bodyPr/>
+          <a:lstStyle/>
+          <a:p>
+            <a:r>
+              <a:rPr lang="de-DE" sz="2000" dirty="0"/>
+              <a:t>historische Situation, von der aus Verstehen stattfindet</a:t>
+            </a:r>
+          </a:p>
+          <a:p>
+            <a:r>
+              <a:rPr lang="de-DE" sz="2000" dirty="0"/>
+              <a:t>Kulturgüter</a:t>
+            </a:r>
+          </a:p>
+          <a:p>
+            <a:r>
+              <a:rPr lang="de-DE" sz="2000" dirty="0"/>
+              <a:t>symbolische Formen (Ernst Cassirer), Sinnentwürfe</a:t>
+            </a:r>
+          </a:p>
+          <a:p>
+            <a:r>
+              <a:rPr lang="de-DE" sz="2000" dirty="0"/>
+              <a:t>kulturelles und kommunikatives Gedächtnis )Aleida und Jan Assmann)</a:t>
+            </a:r>
+          </a:p>
+          <a:p>
+            <a:r>
+              <a:rPr lang="de-DE" sz="2000" dirty="0"/>
+              <a:t>Kein Platz für ethischen Fragen im polizeilichen Gefüge </a:t>
+            </a:r>
+          </a:p>
+          <a:p>
+            <a:r>
+              <a:rPr lang="de-DE" sz="2000" dirty="0" smtClean="0"/>
+              <a:t>Anachronistisch-kritischen </a:t>
+            </a:r>
+            <a:r>
+              <a:rPr lang="de-DE" sz="2000" dirty="0"/>
+              <a:t>Zugriff</a:t>
+            </a:r>
+          </a:p>
+          <a:p>
+            <a:r>
+              <a:rPr lang="de-DE" sz="2000" dirty="0" err="1"/>
+              <a:t>kairotische</a:t>
+            </a:r>
+            <a:r>
+              <a:rPr lang="de-DE" sz="2000" dirty="0"/>
+              <a:t> Ereignisse (</a:t>
+            </a:r>
+            <a:r>
+              <a:rPr lang="de-DE" sz="2000" dirty="0" smtClean="0">
+                <a:hlinkClick r:id="rId3"/>
+              </a:rPr>
+              <a:t>wikipedia.org/</a:t>
+            </a:r>
+            <a:r>
+              <a:rPr lang="de-DE" sz="2000" dirty="0" err="1" smtClean="0">
+                <a:hlinkClick r:id="rId3"/>
+              </a:rPr>
+              <a:t>wiki</a:t>
+            </a:r>
+            <a:r>
+              <a:rPr lang="de-DE" sz="2000" dirty="0" smtClean="0">
+                <a:hlinkClick r:id="rId3"/>
+              </a:rPr>
+              <a:t>/Kairos</a:t>
+            </a:r>
+            <a:r>
+              <a:rPr lang="de-DE" sz="2000" dirty="0" smtClean="0"/>
+              <a:t>, </a:t>
+            </a:r>
+            <a:r>
+              <a:rPr lang="de-DE" sz="2000" dirty="0"/>
+              <a:t>die gute </a:t>
+            </a:r>
+            <a:r>
+              <a:rPr lang="de-DE" sz="2000" dirty="0" smtClean="0"/>
+              <a:t>Gelegenheit)</a:t>
+            </a:r>
+            <a:endParaRPr lang="de-DE" sz="2000" dirty="0"/>
+          </a:p>
+          <a:p>
+            <a:r>
+              <a:rPr lang="de-DE" sz="2000" dirty="0" err="1"/>
+              <a:t>Widerständigkeit</a:t>
+            </a:r>
+            <a:r>
+              <a:rPr lang="de-DE" sz="2000" dirty="0"/>
+              <a:t> gegen die Verdummung</a:t>
+            </a:r>
+          </a:p>
+          <a:p>
+            <a:endParaRPr lang="de-DE" sz="2000" dirty="0"/>
+          </a:p>
+        </p:txBody>
+      </p:sp>
+    </p:spTree>
+    <p:extLst>
+      <p:ext uri="{BB962C8B-B14F-4D97-AF65-F5344CB8AC3E}">
+        <p14:creationId xmlns:p14="http://schemas.microsoft.com/office/powerpoint/2010/main" val="1868279417"/>
+      </p:ext>
+    </p:extLst>
+  </p:cSld>
+  <p:clrMapOvr>
+    <a:masterClrMapping/>
+  </p:clrMapOvr>
+</p:sld>
+</file>
+
 <file path=ppt/slides/slide9.xml><?xml version="1.0" encoding="utf-8"?>
 <p:sld xmlns:a="http://schemas.openxmlformats.org/drawingml/2006/main" xmlns:r="http://schemas.openxmlformats.org/officeDocument/2006/relationships" xmlns:p="http://schemas.openxmlformats.org/presentationml/2006/main">
   <p:cSld>
@@ -4743,13 +5249,7 @@
       </p:grpSpPr>
       <p:sp>
         <p:nvSpPr>
-          <p:cNvPr id="2" name="Title 1">
-            <a:extLst>
-              <a:ext uri="{FF2B5EF4-FFF2-40B4-BE49-F238E27FC236}">
-                <a16:creationId xmlns:a16="http://schemas.microsoft.com/office/drawing/2014/main" id="{34F49B09-791F-4756-ACCE-F94AD34B1755}"/>
-              </a:ext>
-            </a:extLst>
-          </p:cNvPr>
+          <p:cNvPr id="2" name="Titel 1"/>
           <p:cNvSpPr>
             <a:spLocks noGrp="1"/>
           </p:cNvSpPr>
@@ -4762,40 +5262,18 @@
           <a:bodyPr/>
           <a:lstStyle/>
           <a:p>
-            <a:r>
-              <a:rPr lang="de-DE" sz="2800" dirty="0"/>
-              <a:t>Aufgabe: </a:t>
-            </a:r>
-            <a:r>
-              <a:rPr lang="de-DE" sz="2800" dirty="0" err="1"/>
-              <a:t>MindMap</a:t>
-            </a:r>
-            <a:r>
-              <a:rPr lang="de-DE" sz="2800" dirty="0"/>
-              <a:t> über Bildung bei </a:t>
-            </a:r>
-            <a:r>
-              <a:rPr lang="de-DE" sz="2800" dirty="0" err="1"/>
-              <a:t>Dörpinghaus</a:t>
-            </a:r>
-            <a:endParaRPr lang="de-DE" sz="2800" dirty="0"/>
-          </a:p>
-        </p:txBody>
-      </p:sp>
-      <p:sp>
-        <p:nvSpPr>
-          <p:cNvPr id="3" name="Text Placeholder 2">
-            <a:extLst>
-              <a:ext uri="{FF2B5EF4-FFF2-40B4-BE49-F238E27FC236}">
-                <a16:creationId xmlns:a16="http://schemas.microsoft.com/office/drawing/2014/main" id="{0C6B0FCB-ADE8-4880-99AD-B8BEB0C39898}"/>
-              </a:ext>
-            </a:extLst>
-          </p:cNvPr>
-          <p:cNvSpPr>
-            <a:spLocks noGrp="1"/>
-          </p:cNvSpPr>
-          <p:nvPr>
-            <p:ph type="body" sz="quarter" idx="10"/>
+            <a:endParaRPr lang="en-US"/>
+          </a:p>
+        </p:txBody>
+      </p:sp>
+      <p:sp>
+        <p:nvSpPr>
+          <p:cNvPr id="3" name="Inhaltsplatzhalter 2"/>
+          <p:cNvSpPr>
+            <a:spLocks noGrp="1"/>
+          </p:cNvSpPr>
+          <p:nvPr>
+            <p:ph sz="half" idx="12"/>
           </p:nvPr>
         </p:nvSpPr>
         <p:spPr/>
@@ -4803,73 +5281,57 @@
           <a:bodyPr/>
           <a:lstStyle/>
           <a:p>
-            <a:r>
-              <a:rPr lang="de-DE" sz="1800" dirty="0"/>
-              <a:t>Bitte fertigen Sie eine </a:t>
-            </a:r>
-            <a:r>
-              <a:rPr lang="de-DE" sz="1800" dirty="0" err="1"/>
-              <a:t>MindMap</a:t>
-            </a:r>
-            <a:r>
-              <a:rPr lang="de-DE" sz="1800" dirty="0"/>
-              <a:t> über den Begriff der Bildung bei </a:t>
-            </a:r>
-            <a:r>
-              <a:rPr lang="de-DE" sz="1800" dirty="0" err="1"/>
-              <a:t>Dörpinghaus</a:t>
-            </a:r>
-            <a:r>
-              <a:rPr lang="de-DE" sz="1800" dirty="0"/>
-              <a:t> an, bezogen auf den gesamten Text. Wenn Sie den Eindruck haben, dass noch etwas zu Bildung gehört, das Sie in dem Text nicht gefunden haben, können Sie es gerne noch hinzufügen. Bitte laden Sie dann Ihre </a:t>
-            </a:r>
-            <a:r>
-              <a:rPr lang="de-DE" sz="1800" dirty="0" err="1"/>
-              <a:t>Mind</a:t>
-            </a:r>
-            <a:r>
-              <a:rPr lang="de-DE" sz="1800" dirty="0"/>
-              <a:t> </a:t>
-            </a:r>
-            <a:r>
-              <a:rPr lang="de-DE" sz="1800" dirty="0" err="1"/>
-              <a:t>Map</a:t>
-            </a:r>
-            <a:r>
-              <a:rPr lang="de-DE" sz="1800" dirty="0"/>
-              <a:t> in dem im </a:t>
-            </a:r>
-            <a:r>
-              <a:rPr lang="de-DE" sz="1800" dirty="0" err="1"/>
-              <a:t>Moodle</a:t>
-            </a:r>
-            <a:r>
-              <a:rPr lang="de-DE" sz="1800" dirty="0"/>
-              <a:t> angelegten Studierendenordner hoch. Sie können die </a:t>
-            </a:r>
-            <a:r>
-              <a:rPr lang="de-DE" sz="1800" dirty="0" err="1"/>
-              <a:t>Map</a:t>
-            </a:r>
-            <a:r>
-              <a:rPr lang="de-DE" sz="1800" dirty="0"/>
-              <a:t> mit einem Programm am Computer erstellen oder per Hand zeichnen und scannen oder fotografieren und dann hochladen. Gerne dürfen Sie dazu auch zeichnen, um die </a:t>
-            </a:r>
-            <a:r>
-              <a:rPr lang="de-DE" sz="1800" dirty="0" err="1"/>
-              <a:t>Map</a:t>
-            </a:r>
-            <a:r>
-              <a:rPr lang="de-DE" sz="1800" dirty="0"/>
-              <a:t> ansprechend zu gestalten.</a:t>
-            </a:r>
-          </a:p>
-        </p:txBody>
-      </p:sp>
+            <a:endParaRPr lang="en-US"/>
+          </a:p>
+        </p:txBody>
+      </p:sp>
+      <p:sp>
+        <p:nvSpPr>
+          <p:cNvPr id="4" name="Inhaltsplatzhalter 3"/>
+          <p:cNvSpPr>
+            <a:spLocks noGrp="1"/>
+          </p:cNvSpPr>
+          <p:nvPr>
+            <p:ph sz="half" idx="11"/>
+          </p:nvPr>
+        </p:nvSpPr>
+        <p:spPr/>
+        <p:txBody>
+          <a:bodyPr/>
+          <a:lstStyle/>
+          <a:p>
+            <a:endParaRPr lang="en-US"/>
+          </a:p>
+        </p:txBody>
+      </p:sp>
+      <p:pic>
+        <p:nvPicPr>
+          <p:cNvPr id="5" name="Grafik 4"/>
+          <p:cNvPicPr>
+            <a:picLocks noChangeAspect="1"/>
+          </p:cNvPicPr>
+          <p:nvPr/>
+        </p:nvPicPr>
+        <p:blipFill>
+          <a:blip r:embed="rId2"/>
+          <a:stretch>
+            <a:fillRect/>
+          </a:stretch>
+        </p:blipFill>
+        <p:spPr>
+          <a:xfrm>
+            <a:off x="1691680" y="865378"/>
+            <a:ext cx="6868001" cy="3954303"/>
+          </a:xfrm>
+          <a:prstGeom prst="rect">
+            <a:avLst/>
+          </a:prstGeom>
+        </p:spPr>
+      </p:pic>
     </p:spTree>
     <p:extLst>
       <p:ext uri="{BB962C8B-B14F-4D97-AF65-F5344CB8AC3E}">
-        <p14:creationId xmlns:p14="http://schemas.microsoft.com/office/powerpoint/2010/main" val="377731548"/>
+        <p14:creationId xmlns:p14="http://schemas.microsoft.com/office/powerpoint/2010/main" val="1865389934"/>
       </p:ext>
     </p:extLst>
   </p:cSld>
